--- a/slides/module3.pptx
+++ b/slides/module3.pptx
@@ -5,32 +5,26 @@
     <p:sldMasterId id="2147483660" r:id="rId4"/>
   </p:sldMasterIdLst>
   <p:notesMasterIdLst>
-    <p:notesMasterId r:id="rId25"/>
+    <p:notesMasterId r:id="rId19"/>
   </p:notesMasterIdLst>
   <p:handoutMasterIdLst>
-    <p:handoutMasterId r:id="rId26"/>
+    <p:handoutMasterId r:id="rId20"/>
   </p:handoutMasterIdLst>
   <p:sldIdLst>
     <p:sldId id="277" r:id="rId5"/>
     <p:sldId id="278" r:id="rId6"/>
     <p:sldId id="285" r:id="rId7"/>
     <p:sldId id="286" r:id="rId8"/>
-    <p:sldId id="284" r:id="rId9"/>
-    <p:sldId id="295" r:id="rId10"/>
-    <p:sldId id="292" r:id="rId11"/>
-    <p:sldId id="287" r:id="rId12"/>
-    <p:sldId id="289" r:id="rId13"/>
-    <p:sldId id="288" r:id="rId14"/>
-    <p:sldId id="290" r:id="rId15"/>
-    <p:sldId id="294" r:id="rId16"/>
-    <p:sldId id="293" r:id="rId17"/>
-    <p:sldId id="296" r:id="rId18"/>
-    <p:sldId id="306" r:id="rId19"/>
-    <p:sldId id="299" r:id="rId20"/>
-    <p:sldId id="297" r:id="rId21"/>
-    <p:sldId id="298" r:id="rId22"/>
-    <p:sldId id="302" r:id="rId23"/>
-    <p:sldId id="269" r:id="rId24"/>
+    <p:sldId id="295" r:id="rId9"/>
+    <p:sldId id="292" r:id="rId10"/>
+    <p:sldId id="287" r:id="rId11"/>
+    <p:sldId id="288" r:id="rId12"/>
+    <p:sldId id="290" r:id="rId13"/>
+    <p:sldId id="293" r:id="rId14"/>
+    <p:sldId id="296" r:id="rId15"/>
+    <p:sldId id="306" r:id="rId16"/>
+    <p:sldId id="294" r:id="rId17"/>
+    <p:sldId id="269" r:id="rId18"/>
   </p:sldIdLst>
   <p:sldSz cx="12192000" cy="6858000"/>
   <p:notesSz cx="6858000" cy="9144000"/>
@@ -131,10 +125,10 @@
   </p:defaultTextStyle>
   <p:extLst>
     <p:ext uri="{EFAFB233-063F-42B5-8137-9DF3F51BA10A}">
-      <p15:sldGuideLst xmlns:p15="http://schemas.microsoft.com/office/powerpoint/2012/main" xmlns=""/>
+      <p15:sldGuideLst xmlns="" xmlns:p15="http://schemas.microsoft.com/office/powerpoint/2012/main"/>
     </p:ext>
     <p:ext uri="{2D200454-40CA-4A62-9FC3-DE9A4176ACB9}">
-      <p15:notesGuideLst xmlns:p15="http://schemas.microsoft.com/office/powerpoint/2012/main" xmlns=""/>
+      <p15:notesGuideLst xmlns="" xmlns:p15="http://schemas.microsoft.com/office/powerpoint/2012/main"/>
     </p:ext>
   </p:extLst>
 </p:presentation>
@@ -1231,7 +1225,7 @@
   </p:timing>
   <p:extLst mod="1">
     <p:ext uri="{DCECCB84-F9BA-43D5-87BE-67443E8EF086}">
-      <p15:sldGuideLst xmlns:p15="http://schemas.microsoft.com/office/powerpoint/2012/main" xmlns="">
+      <p15:sldGuideLst xmlns="" xmlns:p15="http://schemas.microsoft.com/office/powerpoint/2012/main">
         <p15:guide id="1" orient="horz" pos="3792">
           <p15:clr>
             <a:srgbClr val="FBAE40"/>
@@ -1890,7 +1884,7 @@
   </p:timing>
   <p:extLst mod="1">
     <p:ext uri="{DCECCB84-F9BA-43D5-87BE-67443E8EF086}">
-      <p15:sldGuideLst xmlns:p15="http://schemas.microsoft.com/office/powerpoint/2012/main" xmlns="">
+      <p15:sldGuideLst xmlns="" xmlns:p15="http://schemas.microsoft.com/office/powerpoint/2012/main">
         <p15:guide id="1" orient="horz" pos="2160">
           <p15:clr>
             <a:srgbClr val="FBAE40"/>
@@ -3609,15 +3603,7 @@
             <a:pPr marL="914400" indent="-914400"/>
             <a:r>
               <a:rPr lang="en-US" dirty="0" smtClean="0"/>
-              <a:t>03 </a:t>
-            </a:r>
-            <a:r>
-              <a:rPr lang="en-US" dirty="0" smtClean="0"/>
-              <a:t>| </a:t>
-            </a:r>
-            <a:r>
-              <a:rPr lang="en-US" dirty="0" smtClean="0"/>
-              <a:t>Node and Express</a:t>
+              <a:t>03 | Node and Express</a:t>
             </a:r>
             <a:endParaRPr lang="en-US" dirty="0"/>
           </a:p>
@@ -3713,7 +3699,7 @@
           <a:p>
             <a:r>
               <a:rPr lang="en-US" dirty="0" smtClean="0"/>
-              <a:t>Express</a:t>
+              <a:t>Routing</a:t>
             </a:r>
             <a:endParaRPr lang="en-US" dirty="0"/>
           </a:p>
@@ -3741,7 +3727,7 @@
     </p:spTree>
     <p:extLst>
       <p:ext uri="{BB962C8B-B14F-4D97-AF65-F5344CB8AC3E}">
-        <p14:creationId xmlns:p14="http://schemas.microsoft.com/office/powerpoint/2010/main" val="677801718"/>
+        <p14:creationId xmlns:p14="http://schemas.microsoft.com/office/powerpoint/2010/main" val="3414015979"/>
       </p:ext>
     </p:extLst>
   </p:cSld>
@@ -3785,7 +3771,7 @@
           <a:p>
             <a:r>
               <a:rPr lang="en-US" dirty="0" smtClean="0"/>
-              <a:t>Understanding Express</a:t>
+              <a:t>What is routing?</a:t>
             </a:r>
             <a:endParaRPr lang="en-US" dirty="0"/>
           </a:p>
@@ -3806,14 +3792,52 @@
           <a:bodyPr/>
           <a:lstStyle/>
           <a:p>
-            <a:endParaRPr lang="en-US"/>
+            <a:r>
+              <a:rPr lang="en-US" dirty="0" smtClean="0"/>
+              <a:t>Provides a path to your server for clients to use like:</a:t>
+            </a:r>
+          </a:p>
+          <a:p>
+            <a:endParaRPr lang="en-US" dirty="0"/>
+          </a:p>
+          <a:p>
+            <a:pPr marL="0" indent="0">
+              <a:buNone/>
+            </a:pPr>
+            <a:endParaRPr lang="en-US" dirty="0"/>
+          </a:p>
+          <a:p>
+            <a:pPr marL="0" indent="0">
+              <a:buNone/>
+            </a:pPr>
+            <a:r>
+              <a:rPr lang="en-US" dirty="0" smtClean="0"/>
+              <a:t>	GET – http://</a:t>
+            </a:r>
+            <a:r>
+              <a:rPr lang="en-US" dirty="0" err="1" smtClean="0"/>
+              <a:t>chirp.azurewebsites.net</a:t>
+            </a:r>
+            <a:r>
+              <a:rPr lang="en-US" dirty="0" smtClean="0"/>
+              <a:t>/</a:t>
+            </a:r>
+            <a:r>
+              <a:rPr lang="en-US" dirty="0" err="1" smtClean="0"/>
+              <a:t>api</a:t>
+            </a:r>
+            <a:r>
+              <a:rPr lang="en-US" dirty="0" smtClean="0"/>
+              <a:t>/posts</a:t>
+            </a:r>
+            <a:endParaRPr lang="en-US" dirty="0"/>
           </a:p>
         </p:txBody>
       </p:sp>
     </p:spTree>
     <p:extLst>
       <p:ext uri="{BB962C8B-B14F-4D97-AF65-F5344CB8AC3E}">
-        <p14:creationId xmlns:p14="http://schemas.microsoft.com/office/powerpoint/2010/main" val="410549132"/>
+        <p14:creationId xmlns:p14="http://schemas.microsoft.com/office/powerpoint/2010/main" val="425907335"/>
       </p:ext>
     </p:extLst>
   </p:cSld>
@@ -3857,7 +3881,7 @@
           <a:p>
             <a:r>
               <a:rPr lang="en-US" dirty="0" smtClean="0"/>
-              <a:t>Middleware</a:t>
+              <a:t>Express Routing Features</a:t>
             </a:r>
             <a:endParaRPr lang="en-US" dirty="0"/>
           </a:p>
@@ -3878,14 +3902,63 @@
           <a:bodyPr/>
           <a:lstStyle/>
           <a:p>
-            <a:endParaRPr lang="en-US"/>
+            <a:r>
+              <a:rPr lang="en-US" dirty="0" smtClean="0"/>
+              <a:t>Create ‘</a:t>
+            </a:r>
+            <a:r>
+              <a:rPr lang="en-US" dirty="0" smtClean="0"/>
+              <a:t>mini’ routers for each major section in your </a:t>
+            </a:r>
+            <a:r>
+              <a:rPr lang="en-US" dirty="0" err="1" smtClean="0"/>
+              <a:t>api</a:t>
+            </a:r>
+            <a:r>
+              <a:rPr lang="en-US" dirty="0" smtClean="0"/>
+              <a:t>, linking the URL request with the code to handle it</a:t>
+            </a:r>
+            <a:endParaRPr lang="en-US" dirty="0"/>
+          </a:p>
+          <a:p>
+            <a:pPr marL="0" indent="0">
+              <a:buNone/>
+            </a:pPr>
+            <a:endParaRPr lang="en-US" dirty="0"/>
+          </a:p>
+          <a:p>
+            <a:r>
+              <a:rPr lang="en-US" dirty="0" smtClean="0"/>
+              <a:t>Easily implement </a:t>
+            </a:r>
+            <a:r>
+              <a:rPr lang="en-US" dirty="0" err="1" smtClean="0"/>
+              <a:t>RESTful</a:t>
+            </a:r>
+            <a:r>
+              <a:rPr lang="en-US" dirty="0" smtClean="0"/>
+              <a:t> conventions using ‘:’ notation to specify models/objects base on URL</a:t>
+            </a:r>
+          </a:p>
+          <a:p>
+            <a:endParaRPr lang="en-US" dirty="0"/>
+          </a:p>
+          <a:p>
+            <a:endParaRPr lang="en-US" dirty="0"/>
+          </a:p>
+          <a:p>
+            <a:r>
+              <a:rPr lang="en-US" dirty="0" smtClean="0"/>
+              <a:t>Easily respond with all types of data such as JSON, xml etc.</a:t>
+            </a:r>
+            <a:endParaRPr lang="en-US" dirty="0"/>
           </a:p>
         </p:txBody>
       </p:sp>
     </p:spTree>
     <p:extLst>
       <p:ext uri="{BB962C8B-B14F-4D97-AF65-F5344CB8AC3E}">
-        <p14:creationId xmlns:p14="http://schemas.microsoft.com/office/powerpoint/2010/main" val="920728789"/>
+        <p14:creationId xmlns:p14="http://schemas.microsoft.com/office/powerpoint/2010/main" val="1028878007"/>
       </p:ext>
     </p:extLst>
   </p:cSld>
@@ -3914,12 +3987,12 @@
       </p:grpSpPr>
       <p:sp>
         <p:nvSpPr>
-          <p:cNvPr id="5" name="Text Placeholder 4"/>
+          <p:cNvPr id="2" name="Title 1"/>
           <p:cNvSpPr>
             <a:spLocks noGrp="1"/>
           </p:cNvSpPr>
           <p:nvPr>
-            <p:ph type="body" sz="quarter" idx="10"/>
+            <p:ph type="title"/>
           </p:nvPr>
         </p:nvSpPr>
         <p:spPr/>
@@ -3929,7 +4002,7 @@
           <a:p>
             <a:r>
               <a:rPr lang="en-US" dirty="0" smtClean="0"/>
-              <a:t>Routing</a:t>
+              <a:t>Middleware</a:t>
             </a:r>
             <a:endParaRPr lang="en-US" dirty="0"/>
           </a:p>
@@ -3937,12 +4010,12 @@
       </p:sp>
       <p:sp>
         <p:nvSpPr>
-          <p:cNvPr id="4" name="Subtitle 3"/>
+          <p:cNvPr id="3" name="Content Placeholder 2"/>
           <p:cNvSpPr>
             <a:spLocks noGrp="1"/>
           </p:cNvSpPr>
           <p:nvPr>
-            <p:ph type="subTitle" idx="1"/>
+            <p:ph sz="quarter" idx="10"/>
           </p:nvPr>
         </p:nvSpPr>
         <p:spPr/>
@@ -3950,6 +4023,22 @@
           <a:bodyPr/>
           <a:lstStyle/>
           <a:p>
+            <a:r>
+              <a:rPr lang="en-US" dirty="0" smtClean="0"/>
+              <a:t>Libraries that can be put in the ‘middle’ of your client making a request and the route-specific code the handles the response</a:t>
+            </a:r>
+          </a:p>
+          <a:p>
+            <a:endParaRPr lang="en-US" dirty="0"/>
+          </a:p>
+          <a:p>
+            <a:endParaRPr lang="en-US" dirty="0" smtClean="0"/>
+          </a:p>
+          <a:p>
+            <a:r>
+              <a:rPr lang="en-US" dirty="0" smtClean="0"/>
+              <a:t>For example, you can have middleware to ensure that certain  subsets of your API are authenticated</a:t>
+            </a:r>
             <a:endParaRPr lang="en-US" dirty="0"/>
           </a:p>
         </p:txBody>
@@ -3957,7 +4046,7 @@
     </p:spTree>
     <p:extLst>
       <p:ext uri="{BB962C8B-B14F-4D97-AF65-F5344CB8AC3E}">
-        <p14:creationId xmlns:p14="http://schemas.microsoft.com/office/powerpoint/2010/main" val="3414015979"/>
+        <p14:creationId xmlns:p14="http://schemas.microsoft.com/office/powerpoint/2010/main" val="920728789"/>
       </p:ext>
     </p:extLst>
   </p:cSld>
@@ -3984,412 +4073,10 @@
           <a:chExt cx="0" cy="0"/>
         </a:xfrm>
       </p:grpSpPr>
-      <p:sp>
-        <p:nvSpPr>
-          <p:cNvPr id="2" name="Title 1"/>
-          <p:cNvSpPr>
-            <a:spLocks noGrp="1"/>
-          </p:cNvSpPr>
-          <p:nvPr>
-            <p:ph type="title"/>
-          </p:nvPr>
-        </p:nvSpPr>
-        <p:spPr/>
-        <p:txBody>
-          <a:bodyPr/>
-          <a:lstStyle/>
-          <a:p>
-            <a:r>
-              <a:rPr lang="en-US" dirty="0" smtClean="0"/>
-              <a:t>What is routing?</a:t>
-            </a:r>
-            <a:endParaRPr lang="en-US" dirty="0"/>
-          </a:p>
-        </p:txBody>
-      </p:sp>
-      <p:sp>
-        <p:nvSpPr>
-          <p:cNvPr id="3" name="Content Placeholder 2"/>
-          <p:cNvSpPr>
-            <a:spLocks noGrp="1"/>
-          </p:cNvSpPr>
-          <p:nvPr>
-            <p:ph sz="quarter" idx="10"/>
-          </p:nvPr>
-        </p:nvSpPr>
-        <p:spPr/>
-        <p:txBody>
-          <a:bodyPr/>
-          <a:lstStyle/>
-          <a:p>
-            <a:endParaRPr lang="en-US"/>
-          </a:p>
-        </p:txBody>
-      </p:sp>
     </p:spTree>
     <p:extLst>
       <p:ext uri="{BB962C8B-B14F-4D97-AF65-F5344CB8AC3E}">
-        <p14:creationId xmlns:p14="http://schemas.microsoft.com/office/powerpoint/2010/main" val="425907335"/>
-      </p:ext>
-    </p:extLst>
-  </p:cSld>
-  <p:clrMapOvr>
-    <a:masterClrMapping/>
-  </p:clrMapOvr>
-</p:sld>
-</file>
-
-<file path=ppt/slides/slide15.xml><?xml version="1.0" encoding="utf-8"?>
-<p:sld xmlns:a="http://schemas.openxmlformats.org/drawingml/2006/main" xmlns:r="http://schemas.openxmlformats.org/officeDocument/2006/relationships" xmlns:p="http://schemas.openxmlformats.org/presentationml/2006/main">
-  <p:cSld>
-    <p:spTree>
-      <p:nvGrpSpPr>
-        <p:cNvPr id="1" name=""/>
-        <p:cNvGrpSpPr/>
-        <p:nvPr/>
-      </p:nvGrpSpPr>
-      <p:grpSpPr>
-        <a:xfrm>
-          <a:off x="0" y="0"/>
-          <a:ext cx="0" cy="0"/>
-          <a:chOff x="0" y="0"/>
-          <a:chExt cx="0" cy="0"/>
-        </a:xfrm>
-      </p:grpSpPr>
-      <p:sp>
-        <p:nvSpPr>
-          <p:cNvPr id="2" name="Title 1"/>
-          <p:cNvSpPr>
-            <a:spLocks noGrp="1"/>
-          </p:cNvSpPr>
-          <p:nvPr>
-            <p:ph type="title"/>
-          </p:nvPr>
-        </p:nvSpPr>
-        <p:spPr/>
-        <p:txBody>
-          <a:bodyPr/>
-          <a:lstStyle/>
-          <a:p>
-            <a:r>
-              <a:rPr lang="en-US" dirty="0" smtClean="0"/>
-              <a:t>Express Routing Features</a:t>
-            </a:r>
-            <a:endParaRPr lang="en-US" dirty="0"/>
-          </a:p>
-        </p:txBody>
-      </p:sp>
-      <p:sp>
-        <p:nvSpPr>
-          <p:cNvPr id="3" name="Content Placeholder 2"/>
-          <p:cNvSpPr>
-            <a:spLocks noGrp="1"/>
-          </p:cNvSpPr>
-          <p:nvPr>
-            <p:ph sz="quarter" idx="10"/>
-          </p:nvPr>
-        </p:nvSpPr>
-        <p:spPr/>
-        <p:txBody>
-          <a:bodyPr/>
-          <a:lstStyle/>
-          <a:p>
-            <a:endParaRPr lang="en-US"/>
-          </a:p>
-        </p:txBody>
-      </p:sp>
-    </p:spTree>
-    <p:extLst>
-      <p:ext uri="{BB962C8B-B14F-4D97-AF65-F5344CB8AC3E}">
-        <p14:creationId xmlns:p14="http://schemas.microsoft.com/office/powerpoint/2010/main" val="1028878007"/>
-      </p:ext>
-    </p:extLst>
-  </p:cSld>
-  <p:clrMapOvr>
-    <a:masterClrMapping/>
-  </p:clrMapOvr>
-</p:sld>
-</file>
-
-<file path=ppt/slides/slide16.xml><?xml version="1.0" encoding="utf-8"?>
-<p:sld xmlns:a="http://schemas.openxmlformats.org/drawingml/2006/main" xmlns:r="http://schemas.openxmlformats.org/officeDocument/2006/relationships" xmlns:p="http://schemas.openxmlformats.org/presentationml/2006/main">
-  <p:cSld>
-    <p:spTree>
-      <p:nvGrpSpPr>
-        <p:cNvPr id="1" name=""/>
-        <p:cNvGrpSpPr/>
-        <p:nvPr/>
-      </p:nvGrpSpPr>
-      <p:grpSpPr>
-        <a:xfrm>
-          <a:off x="0" y="0"/>
-          <a:ext cx="0" cy="0"/>
-          <a:chOff x="0" y="0"/>
-          <a:chExt cx="0" cy="0"/>
-        </a:xfrm>
-      </p:grpSpPr>
-      <p:sp>
-        <p:nvSpPr>
-          <p:cNvPr id="5" name="Text Placeholder 4"/>
-          <p:cNvSpPr>
-            <a:spLocks noGrp="1"/>
-          </p:cNvSpPr>
-          <p:nvPr>
-            <p:ph type="body" sz="quarter" idx="10"/>
-          </p:nvPr>
-        </p:nvSpPr>
-        <p:spPr/>
-        <p:txBody>
-          <a:bodyPr/>
-          <a:lstStyle/>
-          <a:p>
-            <a:r>
-              <a:rPr lang="en-US" dirty="0" smtClean="0"/>
-              <a:t>Views and Templates</a:t>
-            </a:r>
-            <a:endParaRPr lang="en-US" dirty="0"/>
-          </a:p>
-        </p:txBody>
-      </p:sp>
-      <p:sp>
-        <p:nvSpPr>
-          <p:cNvPr id="4" name="Subtitle 3"/>
-          <p:cNvSpPr>
-            <a:spLocks noGrp="1"/>
-          </p:cNvSpPr>
-          <p:nvPr>
-            <p:ph type="subTitle" idx="1"/>
-          </p:nvPr>
-        </p:nvSpPr>
-        <p:spPr/>
-        <p:txBody>
-          <a:bodyPr/>
-          <a:lstStyle/>
-          <a:p>
-            <a:endParaRPr lang="en-US" dirty="0"/>
-          </a:p>
-        </p:txBody>
-      </p:sp>
-    </p:spTree>
-    <p:extLst>
-      <p:ext uri="{BB962C8B-B14F-4D97-AF65-F5344CB8AC3E}">
-        <p14:creationId xmlns:p14="http://schemas.microsoft.com/office/powerpoint/2010/main" val="2674971135"/>
-      </p:ext>
-    </p:extLst>
-  </p:cSld>
-  <p:clrMapOvr>
-    <a:masterClrMapping/>
-  </p:clrMapOvr>
-</p:sld>
-</file>
-
-<file path=ppt/slides/slide17.xml><?xml version="1.0" encoding="utf-8"?>
-<p:sld xmlns:a="http://schemas.openxmlformats.org/drawingml/2006/main" xmlns:r="http://schemas.openxmlformats.org/officeDocument/2006/relationships" xmlns:p="http://schemas.openxmlformats.org/presentationml/2006/main">
-  <p:cSld>
-    <p:spTree>
-      <p:nvGrpSpPr>
-        <p:cNvPr id="1" name=""/>
-        <p:cNvGrpSpPr/>
-        <p:nvPr/>
-      </p:nvGrpSpPr>
-      <p:grpSpPr>
-        <a:xfrm>
-          <a:off x="0" y="0"/>
-          <a:ext cx="0" cy="0"/>
-          <a:chOff x="0" y="0"/>
-          <a:chExt cx="0" cy="0"/>
-        </a:xfrm>
-      </p:grpSpPr>
-      <p:sp>
-        <p:nvSpPr>
-          <p:cNvPr id="2" name="Title 1"/>
-          <p:cNvSpPr>
-            <a:spLocks noGrp="1"/>
-          </p:cNvSpPr>
-          <p:nvPr>
-            <p:ph type="title"/>
-          </p:nvPr>
-        </p:nvSpPr>
-        <p:spPr/>
-        <p:txBody>
-          <a:bodyPr/>
-          <a:lstStyle/>
-          <a:p>
-            <a:r>
-              <a:rPr lang="en-US" dirty="0" smtClean="0"/>
-              <a:t>Views</a:t>
-            </a:r>
-            <a:endParaRPr lang="en-US" dirty="0"/>
-          </a:p>
-        </p:txBody>
-      </p:sp>
-      <p:sp>
-        <p:nvSpPr>
-          <p:cNvPr id="3" name="Content Placeholder 2"/>
-          <p:cNvSpPr>
-            <a:spLocks noGrp="1"/>
-          </p:cNvSpPr>
-          <p:nvPr>
-            <p:ph sz="quarter" idx="10"/>
-          </p:nvPr>
-        </p:nvSpPr>
-        <p:spPr/>
-        <p:txBody>
-          <a:bodyPr/>
-          <a:lstStyle/>
-          <a:p>
-            <a:endParaRPr lang="en-US"/>
-          </a:p>
-        </p:txBody>
-      </p:sp>
-    </p:spTree>
-    <p:extLst>
-      <p:ext uri="{BB962C8B-B14F-4D97-AF65-F5344CB8AC3E}">
-        <p14:creationId xmlns:p14="http://schemas.microsoft.com/office/powerpoint/2010/main" val="2046191528"/>
-      </p:ext>
-    </p:extLst>
-  </p:cSld>
-  <p:clrMapOvr>
-    <a:masterClrMapping/>
-  </p:clrMapOvr>
-</p:sld>
-</file>
-
-<file path=ppt/slides/slide18.xml><?xml version="1.0" encoding="utf-8"?>
-<p:sld xmlns:a="http://schemas.openxmlformats.org/drawingml/2006/main" xmlns:r="http://schemas.openxmlformats.org/officeDocument/2006/relationships" xmlns:p="http://schemas.openxmlformats.org/presentationml/2006/main">
-  <p:cSld>
-    <p:spTree>
-      <p:nvGrpSpPr>
-        <p:cNvPr id="1" name=""/>
-        <p:cNvGrpSpPr/>
-        <p:nvPr/>
-      </p:nvGrpSpPr>
-      <p:grpSpPr>
-        <a:xfrm>
-          <a:off x="0" y="0"/>
-          <a:ext cx="0" cy="0"/>
-          <a:chOff x="0" y="0"/>
-          <a:chExt cx="0" cy="0"/>
-        </a:xfrm>
-      </p:grpSpPr>
-      <p:sp>
-        <p:nvSpPr>
-          <p:cNvPr id="2" name="Title 1"/>
-          <p:cNvSpPr>
-            <a:spLocks noGrp="1"/>
-          </p:cNvSpPr>
-          <p:nvPr>
-            <p:ph type="title"/>
-          </p:nvPr>
-        </p:nvSpPr>
-        <p:spPr/>
-        <p:txBody>
-          <a:bodyPr/>
-          <a:lstStyle/>
-          <a:p>
-            <a:r>
-              <a:rPr lang="en-US" dirty="0" smtClean="0"/>
-              <a:t>Rendering a View</a:t>
-            </a:r>
-            <a:endParaRPr lang="en-US" dirty="0"/>
-          </a:p>
-        </p:txBody>
-      </p:sp>
-      <p:sp>
-        <p:nvSpPr>
-          <p:cNvPr id="3" name="Content Placeholder 2"/>
-          <p:cNvSpPr>
-            <a:spLocks noGrp="1"/>
-          </p:cNvSpPr>
-          <p:nvPr>
-            <p:ph sz="quarter" idx="10"/>
-          </p:nvPr>
-        </p:nvSpPr>
-        <p:spPr/>
-        <p:txBody>
-          <a:bodyPr/>
-          <a:lstStyle/>
-          <a:p>
-            <a:endParaRPr lang="en-US"/>
-          </a:p>
-        </p:txBody>
-      </p:sp>
-    </p:spTree>
-    <p:extLst>
-      <p:ext uri="{BB962C8B-B14F-4D97-AF65-F5344CB8AC3E}">
-        <p14:creationId xmlns:p14="http://schemas.microsoft.com/office/powerpoint/2010/main" val="4230835611"/>
-      </p:ext>
-    </p:extLst>
-  </p:cSld>
-  <p:clrMapOvr>
-    <a:masterClrMapping/>
-  </p:clrMapOvr>
-</p:sld>
-</file>
-
-<file path=ppt/slides/slide19.xml><?xml version="1.0" encoding="utf-8"?>
-<p:sld xmlns:a="http://schemas.openxmlformats.org/drawingml/2006/main" xmlns:r="http://schemas.openxmlformats.org/officeDocument/2006/relationships" xmlns:p="http://schemas.openxmlformats.org/presentationml/2006/main">
-  <p:cSld>
-    <p:spTree>
-      <p:nvGrpSpPr>
-        <p:cNvPr id="1" name=""/>
-        <p:cNvGrpSpPr/>
-        <p:nvPr/>
-      </p:nvGrpSpPr>
-      <p:grpSpPr>
-        <a:xfrm>
-          <a:off x="0" y="0"/>
-          <a:ext cx="0" cy="0"/>
-          <a:chOff x="0" y="0"/>
-          <a:chExt cx="0" cy="0"/>
-        </a:xfrm>
-      </p:grpSpPr>
-      <p:sp>
-        <p:nvSpPr>
-          <p:cNvPr id="2" name="Title 1"/>
-          <p:cNvSpPr>
-            <a:spLocks noGrp="1"/>
-          </p:cNvSpPr>
-          <p:nvPr>
-            <p:ph type="title"/>
-          </p:nvPr>
-        </p:nvSpPr>
-        <p:spPr/>
-        <p:txBody>
-          <a:bodyPr/>
-          <a:lstStyle/>
-          <a:p>
-            <a:r>
-              <a:rPr lang="en-US" dirty="0" smtClean="0"/>
-              <a:t>Template Choices</a:t>
-            </a:r>
-            <a:endParaRPr lang="en-US" dirty="0"/>
-          </a:p>
-        </p:txBody>
-      </p:sp>
-      <p:sp>
-        <p:nvSpPr>
-          <p:cNvPr id="3" name="Content Placeholder 2"/>
-          <p:cNvSpPr>
-            <a:spLocks noGrp="1"/>
-          </p:cNvSpPr>
-          <p:nvPr>
-            <p:ph sz="quarter" idx="10"/>
-          </p:nvPr>
-        </p:nvSpPr>
-        <p:spPr/>
-        <p:txBody>
-          <a:bodyPr/>
-          <a:lstStyle/>
-          <a:p>
-            <a:endParaRPr lang="en-US"/>
-          </a:p>
-        </p:txBody>
-      </p:sp>
-    </p:spTree>
-    <p:extLst>
-      <p:ext uri="{BB962C8B-B14F-4D97-AF65-F5344CB8AC3E}">
-        <p14:creationId xmlns:p14="http://schemas.microsoft.com/office/powerpoint/2010/main" val="629807618"/>
+        <p14:creationId xmlns:p14="http://schemas.microsoft.com/office/powerpoint/2010/main" val="898363405"/>
       </p:ext>
     </p:extLst>
   </p:cSld>
@@ -4435,43 +4122,47 @@
           <a:p>
             <a:r>
               <a:rPr lang="en-GB" dirty="0" smtClean="0"/>
-              <a:t>Why </a:t>
+              <a:t>Why use </a:t>
             </a:r>
             <a:r>
               <a:rPr lang="en-GB" dirty="0" smtClean="0"/>
-              <a:t>use Node</a:t>
-            </a:r>
+              <a:t>Node</a:t>
+            </a:r>
+          </a:p>
+          <a:p>
+            <a:endParaRPr lang="en-GB" dirty="0" smtClean="0"/>
           </a:p>
           <a:p>
             <a:r>
               <a:rPr lang="en-GB" dirty="0" smtClean="0"/>
-              <a:t>NPM – Node Package Manager</a:t>
-            </a:r>
-          </a:p>
-          <a:p>
+              <a:t>NPM – Node Package </a:t>
+            </a:r>
             <a:r>
               <a:rPr lang="en-GB" dirty="0" smtClean="0"/>
-              <a:t>Understanding Express</a:t>
-            </a:r>
+              <a:t>Manager</a:t>
+            </a:r>
+          </a:p>
+          <a:p>
+            <a:endParaRPr lang="en-GB" dirty="0" smtClean="0"/>
+          </a:p>
+          <a:p>
+            <a:r>
+              <a:rPr lang="en-GB" dirty="0" smtClean="0"/>
+              <a:t>Understanding </a:t>
+            </a:r>
+            <a:r>
+              <a:rPr lang="en-GB" dirty="0" smtClean="0"/>
+              <a:t>Express</a:t>
+            </a:r>
+          </a:p>
+          <a:p>
+            <a:endParaRPr lang="en-GB" dirty="0" smtClean="0"/>
           </a:p>
           <a:p>
             <a:r>
               <a:rPr lang="en-GB" dirty="0" smtClean="0"/>
               <a:t>Routing</a:t>
             </a:r>
-          </a:p>
-          <a:p>
-            <a:r>
-              <a:rPr lang="en-GB" dirty="0" smtClean="0"/>
-              <a:t>Views </a:t>
-            </a:r>
-            <a:r>
-              <a:rPr lang="en-GB" smtClean="0"/>
-              <a:t>and Templates</a:t>
-            </a:r>
-            <a:endParaRPr lang="en-GB" dirty="0" smtClean="0"/>
-          </a:p>
-          <a:p>
             <a:endParaRPr lang="en-GB" dirty="0" smtClean="0"/>
           </a:p>
           <a:p>
@@ -4534,36 +4225,6 @@
       </p:par>
     </p:tnLst>
   </p:timing>
-</p:sld>
-</file>
-
-<file path=ppt/slides/slide20.xml><?xml version="1.0" encoding="utf-8"?>
-<p:sld xmlns:a="http://schemas.openxmlformats.org/drawingml/2006/main" xmlns:r="http://schemas.openxmlformats.org/officeDocument/2006/relationships" xmlns:p="http://schemas.openxmlformats.org/presentationml/2006/main">
-  <p:cSld>
-    <p:spTree>
-      <p:nvGrpSpPr>
-        <p:cNvPr id="1" name=""/>
-        <p:cNvGrpSpPr/>
-        <p:nvPr/>
-      </p:nvGrpSpPr>
-      <p:grpSpPr>
-        <a:xfrm>
-          <a:off x="0" y="0"/>
-          <a:ext cx="0" cy="0"/>
-          <a:chOff x="0" y="0"/>
-          <a:chExt cx="0" cy="0"/>
-        </a:xfrm>
-      </p:grpSpPr>
-    </p:spTree>
-    <p:extLst>
-      <p:ext uri="{BB962C8B-B14F-4D97-AF65-F5344CB8AC3E}">
-        <p14:creationId xmlns:p14="http://schemas.microsoft.com/office/powerpoint/2010/main" val="898363405"/>
-      </p:ext>
-    </p:extLst>
-  </p:cSld>
-  <p:clrMapOvr>
-    <a:masterClrMapping/>
-  </p:clrMapOvr>
 </p:sld>
 </file>
 
@@ -4694,7 +4355,48 @@
           <a:bodyPr/>
           <a:lstStyle/>
           <a:p>
-            <a:endParaRPr lang="en-US"/>
+            <a:r>
+              <a:rPr lang="en-US" dirty="0" smtClean="0"/>
+              <a:t>Based on Chromium’s V8 </a:t>
+            </a:r>
+            <a:r>
+              <a:rPr lang="en-US" dirty="0" err="1" smtClean="0"/>
+              <a:t>Javascript</a:t>
+            </a:r>
+            <a:r>
+              <a:rPr lang="en-US" dirty="0" smtClean="0"/>
+              <a:t> Runtime</a:t>
+            </a:r>
+          </a:p>
+          <a:p>
+            <a:endParaRPr lang="en-US" dirty="0" smtClean="0"/>
+          </a:p>
+          <a:p>
+            <a:endParaRPr lang="en-US" dirty="0"/>
+          </a:p>
+          <a:p>
+            <a:r>
+              <a:rPr lang="en-US" dirty="0" smtClean="0"/>
+              <a:t>Single Threaded Runtime</a:t>
+            </a:r>
+          </a:p>
+          <a:p>
+            <a:endParaRPr lang="en-US" dirty="0" smtClean="0"/>
+          </a:p>
+          <a:p>
+            <a:endParaRPr lang="en-US" dirty="0"/>
+          </a:p>
+          <a:p>
+            <a:r>
+              <a:rPr lang="en-US" dirty="0" smtClean="0"/>
+              <a:t>Optimized for I/O</a:t>
+            </a:r>
+          </a:p>
+          <a:p>
+            <a:endParaRPr lang="en-US" dirty="0"/>
+          </a:p>
+          <a:p>
+            <a:endParaRPr lang="en-US" dirty="0"/>
           </a:p>
         </p:txBody>
       </p:sp>
@@ -4745,11 +4447,7 @@
           <a:p>
             <a:r>
               <a:rPr lang="en-US" dirty="0" smtClean="0"/>
-              <a:t>Server Side </a:t>
-            </a:r>
-            <a:r>
-              <a:rPr lang="en-US" dirty="0" err="1" smtClean="0"/>
-              <a:t>Javascript</a:t>
+              <a:t>Simple HTTP Server</a:t>
             </a:r>
             <a:endParaRPr lang="en-US" dirty="0"/>
           </a:p>
@@ -4757,27 +4455,161 @@
       </p:sp>
       <p:sp>
         <p:nvSpPr>
-          <p:cNvPr id="3" name="Content Placeholder 2"/>
-          <p:cNvSpPr>
-            <a:spLocks noGrp="1"/>
-          </p:cNvSpPr>
-          <p:nvPr>
-            <p:ph sz="quarter" idx="10"/>
-          </p:nvPr>
-        </p:nvSpPr>
-        <p:spPr/>
-        <p:txBody>
-          <a:bodyPr/>
+          <p:cNvPr id="4" name="Rectangle 3"/>
+          <p:cNvSpPr/>
+          <p:nvPr/>
+        </p:nvSpPr>
+        <p:spPr>
+          <a:xfrm>
+            <a:off x="1359646" y="1386426"/>
+            <a:ext cx="9263529" cy="4154983"/>
+          </a:xfrm>
+          <a:prstGeom prst="rect">
+            <a:avLst/>
+          </a:prstGeom>
+        </p:spPr>
+        <p:txBody>
+          <a:bodyPr wrap="square">
+            <a:spAutoFit/>
+          </a:bodyPr>
           <a:lstStyle/>
           <a:p>
-            <a:endParaRPr lang="en-US" dirty="0"/>
+            <a:r>
+              <a:rPr lang="en-US" sz="2400" dirty="0" smtClean="0"/>
+              <a:t>//import the http module</a:t>
+            </a:r>
+          </a:p>
+          <a:p>
+            <a:r>
+              <a:rPr lang="en-US" sz="2400" dirty="0" err="1" smtClean="0"/>
+              <a:t>var</a:t>
+            </a:r>
+            <a:r>
+              <a:rPr lang="en-US" sz="2400" dirty="0" smtClean="0"/>
+              <a:t> </a:t>
+            </a:r>
+            <a:r>
+              <a:rPr lang="en-US" sz="2400" dirty="0"/>
+              <a:t>http = require('http')</a:t>
+            </a:r>
+            <a:r>
+              <a:rPr lang="en-US" sz="2400" dirty="0" smtClean="0"/>
+              <a:t>;</a:t>
+            </a:r>
+          </a:p>
+          <a:p>
+            <a:endParaRPr lang="en-US" sz="2400" dirty="0" smtClean="0"/>
+          </a:p>
+          <a:p>
+            <a:r>
+              <a:rPr lang="en-US" sz="2400" dirty="0" smtClean="0"/>
+              <a:t>//create the web server</a:t>
+            </a:r>
+            <a:endParaRPr lang="en-US" sz="2400" dirty="0"/>
+          </a:p>
+          <a:p>
+            <a:r>
+              <a:rPr lang="en-US" sz="2400" dirty="0" err="1"/>
+              <a:t>http.createServer</a:t>
+            </a:r>
+            <a:r>
+              <a:rPr lang="en-US" sz="2400" dirty="0"/>
+              <a:t>(function (</a:t>
+            </a:r>
+            <a:r>
+              <a:rPr lang="en-US" sz="2400" dirty="0" err="1"/>
+              <a:t>req</a:t>
+            </a:r>
+            <a:r>
+              <a:rPr lang="en-US" sz="2400" dirty="0"/>
+              <a:t>, res) </a:t>
+            </a:r>
+            <a:r>
+              <a:rPr lang="en-US" sz="2400" dirty="0" smtClean="0"/>
+              <a:t>{</a:t>
+            </a:r>
+          </a:p>
+          <a:p>
+            <a:r>
+              <a:rPr lang="en-US" sz="2400" dirty="0" smtClean="0"/>
+              <a:t>  //callback executed when request is received</a:t>
+            </a:r>
+            <a:endParaRPr lang="en-US" sz="2400" dirty="0"/>
+          </a:p>
+          <a:p>
+            <a:r>
+              <a:rPr lang="en-US" sz="2400" dirty="0"/>
+              <a:t>  </a:t>
+            </a:r>
+            <a:r>
+              <a:rPr lang="en-US" sz="2400" dirty="0" err="1"/>
+              <a:t>res.writeHead</a:t>
+            </a:r>
+            <a:r>
+              <a:rPr lang="en-US" sz="2400" dirty="0"/>
+              <a:t>(200, {'Content-Type': 'text/plain'});</a:t>
+            </a:r>
+          </a:p>
+          <a:p>
+            <a:r>
+              <a:rPr lang="en-US" sz="2400" dirty="0"/>
+              <a:t>  </a:t>
+            </a:r>
+            <a:r>
+              <a:rPr lang="en-US" sz="2400" dirty="0" err="1"/>
+              <a:t>res.end</a:t>
+            </a:r>
+            <a:r>
+              <a:rPr lang="en-US" sz="2400" dirty="0"/>
+              <a:t>('Hello World\n');</a:t>
+            </a:r>
+          </a:p>
+          <a:p>
+            <a:r>
+              <a:rPr lang="fr-FR" sz="2400" dirty="0"/>
+              <a:t>}).</a:t>
+            </a:r>
+            <a:r>
+              <a:rPr lang="fr-FR" sz="2400" dirty="0" err="1"/>
+              <a:t>listen</a:t>
+            </a:r>
+            <a:r>
+              <a:rPr lang="fr-FR" sz="2400" dirty="0"/>
+              <a:t>(1337, '127.0.0.1')</a:t>
+            </a:r>
+            <a:r>
+              <a:rPr lang="fr-FR" sz="2400" dirty="0" smtClean="0"/>
+              <a:t>;</a:t>
+            </a:r>
+          </a:p>
+          <a:p>
+            <a:endParaRPr lang="fr-FR" sz="2400" dirty="0"/>
+          </a:p>
+          <a:p>
+            <a:r>
+              <a:rPr lang="fr-FR" sz="2400" dirty="0" err="1"/>
+              <a:t>console.log</a:t>
+            </a:r>
+            <a:r>
+              <a:rPr lang="fr-FR" sz="2400" dirty="0"/>
+              <a:t>('Server running </a:t>
+            </a:r>
+            <a:r>
+              <a:rPr lang="fr-FR" sz="2400" dirty="0" err="1"/>
+              <a:t>at</a:t>
+            </a:r>
+            <a:r>
+              <a:rPr lang="fr-FR" sz="2400" dirty="0"/>
+              <a:t> http://127.0.0.1:1337/');</a:t>
+            </a:r>
+            <a:endParaRPr lang="en-US" sz="2400" dirty="0"/>
           </a:p>
         </p:txBody>
       </p:sp>
     </p:spTree>
     <p:extLst>
       <p:ext uri="{BB962C8B-B14F-4D97-AF65-F5344CB8AC3E}">
-        <p14:creationId xmlns:p14="http://schemas.microsoft.com/office/powerpoint/2010/main" val="1035122831"/>
+        <p14:creationId xmlns:p14="http://schemas.microsoft.com/office/powerpoint/2010/main" val="3738675893"/>
       </p:ext>
     </p:extLst>
   </p:cSld>
@@ -4806,12 +4638,12 @@
       </p:grpSpPr>
       <p:sp>
         <p:nvSpPr>
-          <p:cNvPr id="2" name="Title 1"/>
+          <p:cNvPr id="5" name="Text Placeholder 4"/>
           <p:cNvSpPr>
             <a:spLocks noGrp="1"/>
           </p:cNvSpPr>
           <p:nvPr>
-            <p:ph type="title"/>
+            <p:ph type="body" sz="quarter" idx="10"/>
           </p:nvPr>
         </p:nvSpPr>
         <p:spPr/>
@@ -4821,7 +4653,7 @@
           <a:p>
             <a:r>
               <a:rPr lang="en-US" dirty="0" smtClean="0"/>
-              <a:t>Simple HTTP Server</a:t>
+              <a:t>NPM</a:t>
             </a:r>
             <a:endParaRPr lang="en-US" dirty="0"/>
           </a:p>
@@ -4829,12 +4661,12 @@
       </p:sp>
       <p:sp>
         <p:nvSpPr>
-          <p:cNvPr id="3" name="Content Placeholder 2"/>
+          <p:cNvPr id="4" name="Subtitle 3"/>
           <p:cNvSpPr>
             <a:spLocks noGrp="1"/>
           </p:cNvSpPr>
           <p:nvPr>
-            <p:ph sz="quarter" idx="10"/>
+            <p:ph type="subTitle" idx="1"/>
           </p:nvPr>
         </p:nvSpPr>
         <p:spPr/>
@@ -4849,7 +4681,7 @@
     </p:spTree>
     <p:extLst>
       <p:ext uri="{BB962C8B-B14F-4D97-AF65-F5344CB8AC3E}">
-        <p14:creationId xmlns:p14="http://schemas.microsoft.com/office/powerpoint/2010/main" val="3738675893"/>
+        <p14:creationId xmlns:p14="http://schemas.microsoft.com/office/powerpoint/2010/main" val="3414015979"/>
       </p:ext>
     </p:extLst>
   </p:cSld>
@@ -4878,12 +4710,12 @@
       </p:grpSpPr>
       <p:sp>
         <p:nvSpPr>
-          <p:cNvPr id="5" name="Text Placeholder 4"/>
+          <p:cNvPr id="2" name="Title 1"/>
           <p:cNvSpPr>
             <a:spLocks noGrp="1"/>
           </p:cNvSpPr>
           <p:nvPr>
-            <p:ph type="body" sz="quarter" idx="10"/>
+            <p:ph type="title"/>
           </p:nvPr>
         </p:nvSpPr>
         <p:spPr/>
@@ -4893,7 +4725,7 @@
           <a:p>
             <a:r>
               <a:rPr lang="en-US" dirty="0" smtClean="0"/>
-              <a:t>NPM</a:t>
+              <a:t>Node Package Manager</a:t>
             </a:r>
             <a:endParaRPr lang="en-US" dirty="0"/>
           </a:p>
@@ -4901,18 +4733,56 @@
       </p:sp>
       <p:sp>
         <p:nvSpPr>
-          <p:cNvPr id="4" name="Subtitle 3"/>
+          <p:cNvPr id="3" name="Content Placeholder 2"/>
           <p:cNvSpPr>
             <a:spLocks noGrp="1"/>
           </p:cNvSpPr>
           <p:nvPr>
-            <p:ph type="subTitle" idx="1"/>
+            <p:ph sz="quarter" idx="10"/>
           </p:nvPr>
         </p:nvSpPr>
         <p:spPr/>
         <p:txBody>
           <a:bodyPr/>
           <a:lstStyle/>
+          <a:p>
+            <a:r>
+              <a:rPr lang="en-US" dirty="0" smtClean="0"/>
+              <a:t>Command-line package manager for useful libraries</a:t>
+            </a:r>
+          </a:p>
+          <a:p>
+            <a:endParaRPr lang="en-US" dirty="0" smtClean="0"/>
+          </a:p>
+          <a:p>
+            <a:endParaRPr lang="en-US" dirty="0"/>
+          </a:p>
+          <a:p>
+            <a:r>
+              <a:rPr lang="en-US" dirty="0" smtClean="0"/>
+              <a:t>Akin to pip for python or gem for Ruby</a:t>
+            </a:r>
+          </a:p>
+          <a:p>
+            <a:endParaRPr lang="en-US" dirty="0"/>
+          </a:p>
+          <a:p>
+            <a:endParaRPr lang="en-US" dirty="0" smtClean="0"/>
+          </a:p>
+          <a:p>
+            <a:r>
+              <a:rPr lang="en-US" dirty="0" smtClean="0"/>
+              <a:t>Comes bundled with </a:t>
+            </a:r>
+            <a:r>
+              <a:rPr lang="en-US" dirty="0" err="1" smtClean="0"/>
+              <a:t>node.js</a:t>
+            </a:r>
+            <a:r>
+              <a:rPr lang="en-US" dirty="0" smtClean="0"/>
+              <a:t> installation</a:t>
+            </a:r>
+          </a:p>
           <a:p>
             <a:endParaRPr lang="en-US" dirty="0"/>
           </a:p>
@@ -4921,7 +4791,7 @@
     </p:spTree>
     <p:extLst>
       <p:ext uri="{BB962C8B-B14F-4D97-AF65-F5344CB8AC3E}">
-        <p14:creationId xmlns:p14="http://schemas.microsoft.com/office/powerpoint/2010/main" val="3414015979"/>
+        <p14:creationId xmlns:p14="http://schemas.microsoft.com/office/powerpoint/2010/main" val="1993550738"/>
       </p:ext>
     </p:extLst>
   </p:cSld>
@@ -4950,12 +4820,12 @@
       </p:grpSpPr>
       <p:sp>
         <p:nvSpPr>
-          <p:cNvPr id="2" name="Title 1"/>
+          <p:cNvPr id="5" name="Text Placeholder 4"/>
           <p:cNvSpPr>
             <a:spLocks noGrp="1"/>
           </p:cNvSpPr>
           <p:nvPr>
-            <p:ph type="title"/>
+            <p:ph type="body" sz="quarter" idx="10"/>
           </p:nvPr>
         </p:nvSpPr>
         <p:spPr/>
@@ -4965,7 +4835,7 @@
           <a:p>
             <a:r>
               <a:rPr lang="en-US" dirty="0" smtClean="0"/>
-              <a:t>Node Package Manager</a:t>
+              <a:t>Express</a:t>
             </a:r>
             <a:endParaRPr lang="en-US" dirty="0"/>
           </a:p>
@@ -4973,12 +4843,12 @@
       </p:sp>
       <p:sp>
         <p:nvSpPr>
-          <p:cNvPr id="3" name="Content Placeholder 2"/>
+          <p:cNvPr id="4" name="Subtitle 3"/>
           <p:cNvSpPr>
             <a:spLocks noGrp="1"/>
           </p:cNvSpPr>
           <p:nvPr>
-            <p:ph sz="quarter" idx="10"/>
+            <p:ph type="subTitle" idx="1"/>
           </p:nvPr>
         </p:nvSpPr>
         <p:spPr/>
@@ -4986,9 +4856,6 @@
           <a:bodyPr/>
           <a:lstStyle/>
           <a:p>
-            <a:pPr marL="0" indent="0">
-              <a:buNone/>
-            </a:pPr>
             <a:endParaRPr lang="en-US" dirty="0"/>
           </a:p>
         </p:txBody>
@@ -4996,7 +4863,7 @@
     </p:spTree>
     <p:extLst>
       <p:ext uri="{BB962C8B-B14F-4D97-AF65-F5344CB8AC3E}">
-        <p14:creationId xmlns:p14="http://schemas.microsoft.com/office/powerpoint/2010/main" val="1993550738"/>
+        <p14:creationId xmlns:p14="http://schemas.microsoft.com/office/powerpoint/2010/main" val="677801718"/>
       </p:ext>
     </p:extLst>
   </p:cSld>
@@ -5038,6 +4905,10 @@
           <a:bodyPr/>
           <a:lstStyle/>
           <a:p>
+            <a:r>
+              <a:rPr lang="en-US" dirty="0" smtClean="0"/>
+              <a:t>Understanding Express</a:t>
+            </a:r>
             <a:endParaRPr lang="en-US" dirty="0"/>
           </a:p>
         </p:txBody>
@@ -5057,14 +4928,51 @@
           <a:bodyPr/>
           <a:lstStyle/>
           <a:p>
-            <a:endParaRPr lang="en-US"/>
+            <a:r>
+              <a:rPr lang="en-US" dirty="0" smtClean="0"/>
+              <a:t>Provides higher-level ‘Routing’ functionality over the raw http server</a:t>
+            </a:r>
+          </a:p>
+          <a:p>
+            <a:endParaRPr lang="en-US" dirty="0"/>
+          </a:p>
+          <a:p>
+            <a:r>
+              <a:rPr lang="en-US" dirty="0" smtClean="0"/>
+              <a:t>Interact with HTTP requests and responses more easily with higher-level </a:t>
+            </a:r>
+            <a:r>
+              <a:rPr lang="en-US" dirty="0" err="1" smtClean="0"/>
+              <a:t>apis</a:t>
+            </a:r>
+            <a:r>
+              <a:rPr lang="en-US" dirty="0" smtClean="0"/>
+              <a:t> for headers and response bodies</a:t>
+            </a:r>
+          </a:p>
+          <a:p>
+            <a:endParaRPr lang="en-US" dirty="0"/>
+          </a:p>
+          <a:p>
+            <a:endParaRPr lang="en-US" dirty="0" smtClean="0"/>
+          </a:p>
+          <a:p>
+            <a:r>
+              <a:rPr lang="en-US" dirty="0" smtClean="0"/>
+              <a:t>Minimalistic, fast and </a:t>
+            </a:r>
+            <a:r>
+              <a:rPr lang="en-US" smtClean="0"/>
+              <a:t>unopinionated</a:t>
+            </a:r>
+            <a:endParaRPr lang="en-US" dirty="0"/>
           </a:p>
         </p:txBody>
       </p:sp>
     </p:spTree>
     <p:extLst>
       <p:ext uri="{BB962C8B-B14F-4D97-AF65-F5344CB8AC3E}">
-        <p14:creationId xmlns:p14="http://schemas.microsoft.com/office/powerpoint/2010/main" val="202806127"/>
+        <p14:creationId xmlns:p14="http://schemas.microsoft.com/office/powerpoint/2010/main" val="410549132"/>
       </p:ext>
     </p:extLst>
   </p:cSld>
@@ -5614,7 +5522,7 @@
   <a:extraClrSchemeLst/>
   <a:extLst>
     <a:ext uri="{05A4C25C-085E-4340-85A3-A5531E510DB2}">
-      <thm15:themeFamily xmlns:thm15="http://schemas.microsoft.com/office/thememl/2012/main" xmlns="" name="Office Theme" id="{62F939B6-93AF-4DB8-9C6B-D6C7DFDC589F}" vid="{4A3C46E8-61CC-4603-A589-7422A47A8E4A}"/>
+      <thm15:themeFamily xmlns="" xmlns:thm15="http://schemas.microsoft.com/office/thememl/2012/main" name="Office Theme" id="{62F939B6-93AF-4DB8-9C6B-D6C7DFDC589F}" vid="{4A3C46E8-61CC-4603-A589-7422A47A8E4A}"/>
     </a:ext>
   </a:extLst>
 </a:theme>
@@ -5875,7 +5783,7 @@
   <a:extraClrSchemeLst/>
   <a:extLst>
     <a:ext uri="{05A4C25C-085E-4340-85A3-A5531E510DB2}">
-      <thm15:themeFamily xmlns:thm15="http://schemas.microsoft.com/office/thememl/2012/main" xmlns="" name="Office Theme" id="{62F939B6-93AF-4DB8-9C6B-D6C7DFDC589F}" vid="{4A3C46E8-61CC-4603-A589-7422A47A8E4A}"/>
+      <thm15:themeFamily xmlns="" xmlns:thm15="http://schemas.microsoft.com/office/thememl/2012/main" name="Office Theme" id="{62F939B6-93AF-4DB8-9C6B-D6C7DFDC589F}" vid="{4A3C46E8-61CC-4603-A589-7422A47A8E4A}"/>
     </a:ext>
   </a:extLst>
 </a:theme>

--- a/slides/module3.pptx
+++ b/slides/module3.pptx
@@ -5,10 +5,10 @@
     <p:sldMasterId id="2147483660" r:id="rId4"/>
   </p:sldMasterIdLst>
   <p:notesMasterIdLst>
-    <p:notesMasterId r:id="rId19"/>
+    <p:notesMasterId r:id="rId24"/>
   </p:notesMasterIdLst>
   <p:handoutMasterIdLst>
-    <p:handoutMasterId r:id="rId20"/>
+    <p:handoutMasterId r:id="rId25"/>
   </p:handoutMasterIdLst>
   <p:sldIdLst>
     <p:sldId id="277" r:id="rId5"/>
@@ -16,15 +16,20 @@
     <p:sldId id="285" r:id="rId7"/>
     <p:sldId id="286" r:id="rId8"/>
     <p:sldId id="295" r:id="rId9"/>
-    <p:sldId id="292" r:id="rId10"/>
-    <p:sldId id="287" r:id="rId11"/>
-    <p:sldId id="288" r:id="rId12"/>
-    <p:sldId id="290" r:id="rId13"/>
-    <p:sldId id="293" r:id="rId14"/>
-    <p:sldId id="296" r:id="rId15"/>
-    <p:sldId id="306" r:id="rId16"/>
-    <p:sldId id="294" r:id="rId17"/>
-    <p:sldId id="269" r:id="rId18"/>
+    <p:sldId id="288" r:id="rId10"/>
+    <p:sldId id="290" r:id="rId11"/>
+    <p:sldId id="307" r:id="rId12"/>
+    <p:sldId id="311" r:id="rId13"/>
+    <p:sldId id="312" r:id="rId14"/>
+    <p:sldId id="313" r:id="rId15"/>
+    <p:sldId id="293" r:id="rId16"/>
+    <p:sldId id="296" r:id="rId17"/>
+    <p:sldId id="308" r:id="rId18"/>
+    <p:sldId id="309" r:id="rId19"/>
+    <p:sldId id="306" r:id="rId20"/>
+    <p:sldId id="294" r:id="rId21"/>
+    <p:sldId id="310" r:id="rId22"/>
+    <p:sldId id="269" r:id="rId23"/>
   </p:sldIdLst>
   <p:sldSz cx="12192000" cy="6858000"/>
   <p:notesSz cx="6858000" cy="9144000"/>
@@ -3684,12 +3689,12 @@
       </p:grpSpPr>
       <p:sp>
         <p:nvSpPr>
-          <p:cNvPr id="5" name="Text Placeholder 4"/>
+          <p:cNvPr id="2" name="Title 1"/>
           <p:cNvSpPr>
             <a:spLocks noGrp="1"/>
           </p:cNvSpPr>
           <p:nvPr>
-            <p:ph type="body" sz="quarter" idx="10"/>
+            <p:ph type="title"/>
           </p:nvPr>
         </p:nvSpPr>
         <p:spPr/>
@@ -3699,26 +3704,64 @@
           <a:p>
             <a:r>
               <a:rPr lang="en-US" dirty="0" smtClean="0"/>
-              <a:t>Routing</a:t>
-            </a:r>
-            <a:endParaRPr lang="en-US" dirty="0"/>
-          </a:p>
-        </p:txBody>
-      </p:sp>
-      <p:sp>
-        <p:nvSpPr>
-          <p:cNvPr id="4" name="Subtitle 3"/>
+              <a:t>Node Package Manager</a:t>
+            </a:r>
+            <a:endParaRPr lang="en-US" dirty="0"/>
+          </a:p>
+        </p:txBody>
+      </p:sp>
+      <p:sp>
+        <p:nvSpPr>
+          <p:cNvPr id="3" name="Content Placeholder 2"/>
           <p:cNvSpPr>
             <a:spLocks noGrp="1"/>
           </p:cNvSpPr>
           <p:nvPr>
-            <p:ph type="subTitle" idx="1"/>
+            <p:ph sz="quarter" idx="10"/>
           </p:nvPr>
         </p:nvSpPr>
         <p:spPr/>
         <p:txBody>
           <a:bodyPr/>
           <a:lstStyle/>
+          <a:p>
+            <a:r>
+              <a:rPr lang="en-US" dirty="0" smtClean="0"/>
+              <a:t>Command-line package manager for useful libraries</a:t>
+            </a:r>
+          </a:p>
+          <a:p>
+            <a:endParaRPr lang="en-US" dirty="0" smtClean="0"/>
+          </a:p>
+          <a:p>
+            <a:endParaRPr lang="en-US" dirty="0"/>
+          </a:p>
+          <a:p>
+            <a:r>
+              <a:rPr lang="en-US" dirty="0" smtClean="0"/>
+              <a:t>Akin to pip for python or gem for Ruby</a:t>
+            </a:r>
+          </a:p>
+          <a:p>
+            <a:endParaRPr lang="en-US" dirty="0"/>
+          </a:p>
+          <a:p>
+            <a:endParaRPr lang="en-US" dirty="0" smtClean="0"/>
+          </a:p>
+          <a:p>
+            <a:r>
+              <a:rPr lang="en-US" dirty="0" smtClean="0"/>
+              <a:t>Comes bundled with </a:t>
+            </a:r>
+            <a:r>
+              <a:rPr lang="en-US" dirty="0" err="1" smtClean="0"/>
+              <a:t>node.js</a:t>
+            </a:r>
+            <a:r>
+              <a:rPr lang="en-US" dirty="0" smtClean="0"/>
+              <a:t> installation</a:t>
+            </a:r>
+          </a:p>
           <a:p>
             <a:endParaRPr lang="en-US" dirty="0"/>
           </a:p>
@@ -3727,7 +3770,7 @@
     </p:spTree>
     <p:extLst>
       <p:ext uri="{BB962C8B-B14F-4D97-AF65-F5344CB8AC3E}">
-        <p14:creationId xmlns:p14="http://schemas.microsoft.com/office/powerpoint/2010/main" val="3414015979"/>
+        <p14:creationId xmlns:p14="http://schemas.microsoft.com/office/powerpoint/2010/main" val="3097906854"/>
       </p:ext>
     </p:extLst>
   </p:cSld>
@@ -3770,8 +3813,8 @@
           <a:lstStyle/>
           <a:p>
             <a:r>
-              <a:rPr lang="en-US" dirty="0" smtClean="0"/>
-              <a:t>What is routing?</a:t>
+              <a:rPr lang="en-US" dirty="0" err="1" smtClean="0"/>
+              <a:t>Package.json</a:t>
             </a:r>
             <a:endParaRPr lang="en-US" dirty="0"/>
           </a:p>
@@ -3794,41 +3837,39 @@
           <a:p>
             <a:r>
               <a:rPr lang="en-US" dirty="0" smtClean="0"/>
-              <a:t>Provides a path to your server for clients to use like:</a:t>
-            </a:r>
-          </a:p>
-          <a:p>
-            <a:endParaRPr lang="en-US" dirty="0"/>
-          </a:p>
-          <a:p>
-            <a:pPr marL="0" indent="0">
-              <a:buNone/>
-            </a:pPr>
-            <a:endParaRPr lang="en-US" dirty="0"/>
-          </a:p>
-          <a:p>
-            <a:pPr marL="0" indent="0">
-              <a:buNone/>
-            </a:pPr>
-            <a:r>
-              <a:rPr lang="en-US" dirty="0" smtClean="0"/>
-              <a:t>	GET – http://</a:t>
+              <a:t>Manifest for all required packages to run project</a:t>
+            </a:r>
+          </a:p>
+          <a:p>
+            <a:endParaRPr lang="en-US" dirty="0"/>
+          </a:p>
+          <a:p>
+            <a:endParaRPr lang="en-US" dirty="0" smtClean="0"/>
+          </a:p>
+          <a:p>
+            <a:r>
+              <a:rPr lang="en-US" dirty="0" smtClean="0"/>
+              <a:t>Specifies developer dependencies as well as production dependencies</a:t>
+            </a:r>
+          </a:p>
+          <a:p>
+            <a:endParaRPr lang="en-US" dirty="0"/>
+          </a:p>
+          <a:p>
+            <a:endParaRPr lang="en-US" dirty="0" smtClean="0"/>
+          </a:p>
+          <a:p>
+            <a:r>
+              <a:rPr lang="en-US" dirty="0" smtClean="0"/>
+              <a:t>Defines </a:t>
             </a:r>
             <a:r>
               <a:rPr lang="en-US" dirty="0" err="1" smtClean="0"/>
-              <a:t>chirp.azurewebsites.net</a:t>
-            </a:r>
-            <a:r>
-              <a:rPr lang="en-US" dirty="0" smtClean="0"/>
-              <a:t>/</a:t>
-            </a:r>
-            <a:r>
-              <a:rPr lang="en-US" dirty="0" err="1" smtClean="0"/>
-              <a:t>api</a:t>
-            </a:r>
-            <a:r>
-              <a:rPr lang="en-US" dirty="0" smtClean="0"/>
-              <a:t>/posts</a:t>
+              <a:t>Entrypoint</a:t>
+            </a:r>
+            <a:r>
+              <a:rPr lang="en-US" dirty="0" smtClean="0"/>
+              <a:t> for CI Tests</a:t>
             </a:r>
             <a:endParaRPr lang="en-US" dirty="0"/>
           </a:p>
@@ -3837,7 +3878,7 @@
     </p:spTree>
     <p:extLst>
       <p:ext uri="{BB962C8B-B14F-4D97-AF65-F5344CB8AC3E}">
-        <p14:creationId xmlns:p14="http://schemas.microsoft.com/office/powerpoint/2010/main" val="425907335"/>
+        <p14:creationId xmlns:p14="http://schemas.microsoft.com/office/powerpoint/2010/main" val="4215548069"/>
       </p:ext>
     </p:extLst>
   </p:cSld>
@@ -3866,12 +3907,12 @@
       </p:grpSpPr>
       <p:sp>
         <p:nvSpPr>
-          <p:cNvPr id="2" name="Title 1"/>
+          <p:cNvPr id="5" name="Text Placeholder 4"/>
           <p:cNvSpPr>
             <a:spLocks noGrp="1"/>
           </p:cNvSpPr>
           <p:nvPr>
-            <p:ph type="title"/>
+            <p:ph type="body" sz="quarter" idx="10"/>
           </p:nvPr>
         </p:nvSpPr>
         <p:spPr/>
@@ -3881,20 +3922,20 @@
           <a:p>
             <a:r>
               <a:rPr lang="en-US" dirty="0" smtClean="0"/>
-              <a:t>Express Routing Features</a:t>
-            </a:r>
-            <a:endParaRPr lang="en-US" dirty="0"/>
-          </a:p>
-        </p:txBody>
-      </p:sp>
-      <p:sp>
-        <p:nvSpPr>
-          <p:cNvPr id="3" name="Content Placeholder 2"/>
+              <a:t>Routing</a:t>
+            </a:r>
+            <a:endParaRPr lang="en-US" dirty="0"/>
+          </a:p>
+        </p:txBody>
+      </p:sp>
+      <p:sp>
+        <p:nvSpPr>
+          <p:cNvPr id="4" name="Subtitle 3"/>
           <p:cNvSpPr>
             <a:spLocks noGrp="1"/>
           </p:cNvSpPr>
           <p:nvPr>
-            <p:ph sz="quarter" idx="10"/>
+            <p:ph type="subTitle" idx="1"/>
           </p:nvPr>
         </p:nvSpPr>
         <p:spPr/>
@@ -3902,55 +3943,6 @@
           <a:bodyPr/>
           <a:lstStyle/>
           <a:p>
-            <a:r>
-              <a:rPr lang="en-US" dirty="0" smtClean="0"/>
-              <a:t>Create ‘</a:t>
-            </a:r>
-            <a:r>
-              <a:rPr lang="en-US" dirty="0" smtClean="0"/>
-              <a:t>mini’ routers for each major section in your </a:t>
-            </a:r>
-            <a:r>
-              <a:rPr lang="en-US" dirty="0" err="1" smtClean="0"/>
-              <a:t>api</a:t>
-            </a:r>
-            <a:r>
-              <a:rPr lang="en-US" dirty="0" smtClean="0"/>
-              <a:t>, linking the URL request with the code to handle it</a:t>
-            </a:r>
-            <a:endParaRPr lang="en-US" dirty="0"/>
-          </a:p>
-          <a:p>
-            <a:pPr marL="0" indent="0">
-              <a:buNone/>
-            </a:pPr>
-            <a:endParaRPr lang="en-US" dirty="0"/>
-          </a:p>
-          <a:p>
-            <a:r>
-              <a:rPr lang="en-US" dirty="0" smtClean="0"/>
-              <a:t>Easily implement </a:t>
-            </a:r>
-            <a:r>
-              <a:rPr lang="en-US" dirty="0" err="1" smtClean="0"/>
-              <a:t>RESTful</a:t>
-            </a:r>
-            <a:r>
-              <a:rPr lang="en-US" dirty="0" smtClean="0"/>
-              <a:t> conventions using ‘:’ notation to specify models/objects base on URL</a:t>
-            </a:r>
-          </a:p>
-          <a:p>
-            <a:endParaRPr lang="en-US" dirty="0"/>
-          </a:p>
-          <a:p>
-            <a:endParaRPr lang="en-US" dirty="0"/>
-          </a:p>
-          <a:p>
-            <a:r>
-              <a:rPr lang="en-US" dirty="0" smtClean="0"/>
-              <a:t>Easily respond with all types of data such as JSON, xml etc.</a:t>
-            </a:r>
             <a:endParaRPr lang="en-US" dirty="0"/>
           </a:p>
         </p:txBody>
@@ -3958,7 +3950,7 @@
     </p:spTree>
     <p:extLst>
       <p:ext uri="{BB962C8B-B14F-4D97-AF65-F5344CB8AC3E}">
-        <p14:creationId xmlns:p14="http://schemas.microsoft.com/office/powerpoint/2010/main" val="1028878007"/>
+        <p14:creationId xmlns:p14="http://schemas.microsoft.com/office/powerpoint/2010/main" val="3414015979"/>
       </p:ext>
     </p:extLst>
   </p:cSld>
@@ -4002,6 +3994,437 @@
           <a:p>
             <a:r>
               <a:rPr lang="en-US" dirty="0" smtClean="0"/>
+              <a:t>What is routing?</a:t>
+            </a:r>
+            <a:endParaRPr lang="en-US" dirty="0"/>
+          </a:p>
+        </p:txBody>
+      </p:sp>
+      <p:sp>
+        <p:nvSpPr>
+          <p:cNvPr id="3" name="Content Placeholder 2"/>
+          <p:cNvSpPr>
+            <a:spLocks noGrp="1"/>
+          </p:cNvSpPr>
+          <p:nvPr>
+            <p:ph sz="quarter" idx="10"/>
+          </p:nvPr>
+        </p:nvSpPr>
+        <p:spPr/>
+        <p:txBody>
+          <a:bodyPr/>
+          <a:lstStyle/>
+          <a:p>
+            <a:r>
+              <a:rPr lang="en-US" dirty="0" smtClean="0"/>
+              <a:t>Provides a path to your server for clients to use like:</a:t>
+            </a:r>
+          </a:p>
+          <a:p>
+            <a:endParaRPr lang="en-US" dirty="0"/>
+          </a:p>
+          <a:p>
+            <a:pPr marL="0" indent="0">
+              <a:buNone/>
+            </a:pPr>
+            <a:endParaRPr lang="en-US" dirty="0"/>
+          </a:p>
+          <a:p>
+            <a:pPr marL="0" indent="0">
+              <a:buNone/>
+            </a:pPr>
+            <a:r>
+              <a:rPr lang="en-US" dirty="0" smtClean="0"/>
+              <a:t>	GET – http://</a:t>
+            </a:r>
+            <a:r>
+              <a:rPr lang="en-US" dirty="0" err="1" smtClean="0"/>
+              <a:t>chirp.azurewebsites.net</a:t>
+            </a:r>
+            <a:r>
+              <a:rPr lang="en-US" dirty="0" smtClean="0"/>
+              <a:t>/</a:t>
+            </a:r>
+            <a:r>
+              <a:rPr lang="en-US" dirty="0" err="1" smtClean="0"/>
+              <a:t>auth</a:t>
+            </a:r>
+            <a:r>
+              <a:rPr lang="en-US" dirty="0" smtClean="0"/>
+              <a:t>/login </a:t>
+            </a:r>
+            <a:endParaRPr lang="en-US" dirty="0"/>
+          </a:p>
+        </p:txBody>
+      </p:sp>
+    </p:spTree>
+    <p:extLst>
+      <p:ext uri="{BB962C8B-B14F-4D97-AF65-F5344CB8AC3E}">
+        <p14:creationId xmlns:p14="http://schemas.microsoft.com/office/powerpoint/2010/main" val="425907335"/>
+      </p:ext>
+    </p:extLst>
+  </p:cSld>
+  <p:clrMapOvr>
+    <a:masterClrMapping/>
+  </p:clrMapOvr>
+</p:sld>
+</file>
+
+<file path=ppt/slides/slide14.xml><?xml version="1.0" encoding="utf-8"?>
+<p:sld xmlns:a="http://schemas.openxmlformats.org/drawingml/2006/main" xmlns:r="http://schemas.openxmlformats.org/officeDocument/2006/relationships" xmlns:p="http://schemas.openxmlformats.org/presentationml/2006/main">
+  <p:cSld>
+    <p:spTree>
+      <p:nvGrpSpPr>
+        <p:cNvPr id="1" name=""/>
+        <p:cNvGrpSpPr/>
+        <p:nvPr/>
+      </p:nvGrpSpPr>
+      <p:grpSpPr>
+        <a:xfrm>
+          <a:off x="0" y="0"/>
+          <a:ext cx="0" cy="0"/>
+          <a:chOff x="0" y="0"/>
+          <a:chExt cx="0" cy="0"/>
+        </a:xfrm>
+      </p:grpSpPr>
+      <p:sp>
+        <p:nvSpPr>
+          <p:cNvPr id="2" name="Title 1"/>
+          <p:cNvSpPr>
+            <a:spLocks noGrp="1"/>
+          </p:cNvSpPr>
+          <p:nvPr>
+            <p:ph type="title"/>
+          </p:nvPr>
+        </p:nvSpPr>
+        <p:spPr/>
+        <p:txBody>
+          <a:bodyPr/>
+          <a:lstStyle/>
+          <a:p>
+            <a:r>
+              <a:rPr lang="en-US" dirty="0" smtClean="0"/>
+              <a:t>Adding Authentication</a:t>
+            </a:r>
+            <a:endParaRPr lang="en-US" dirty="0"/>
+          </a:p>
+        </p:txBody>
+      </p:sp>
+      <p:sp>
+        <p:nvSpPr>
+          <p:cNvPr id="3" name="Content Placeholder 2"/>
+          <p:cNvSpPr>
+            <a:spLocks noGrp="1"/>
+          </p:cNvSpPr>
+          <p:nvPr>
+            <p:ph sz="quarter" idx="10"/>
+          </p:nvPr>
+        </p:nvSpPr>
+        <p:spPr/>
+        <p:txBody>
+          <a:bodyPr/>
+          <a:lstStyle/>
+          <a:p>
+            <a:r>
+              <a:rPr lang="en-US" dirty="0" smtClean="0"/>
+              <a:t>Using Passport authentication library</a:t>
+            </a:r>
+          </a:p>
+          <a:p>
+            <a:pPr marL="0" indent="0">
+              <a:buNone/>
+            </a:pPr>
+            <a:endParaRPr lang="en-US" dirty="0" smtClean="0"/>
+          </a:p>
+          <a:p>
+            <a:endParaRPr lang="en-US" dirty="0" smtClean="0"/>
+          </a:p>
+          <a:p>
+            <a:r>
+              <a:rPr lang="en-US" dirty="0" smtClean="0"/>
+              <a:t>Implementing Signup, Login and Logout routes</a:t>
+            </a:r>
+          </a:p>
+          <a:p>
+            <a:endParaRPr lang="en-US" dirty="0"/>
+          </a:p>
+          <a:p>
+            <a:endParaRPr lang="en-US" dirty="0" smtClean="0"/>
+          </a:p>
+          <a:p>
+            <a:r>
+              <a:rPr lang="en-US" dirty="0" smtClean="0"/>
+              <a:t>In-memory for now…</a:t>
+            </a:r>
+            <a:endParaRPr lang="en-US" dirty="0"/>
+          </a:p>
+        </p:txBody>
+      </p:sp>
+    </p:spTree>
+    <p:extLst>
+      <p:ext uri="{BB962C8B-B14F-4D97-AF65-F5344CB8AC3E}">
+        <p14:creationId xmlns:p14="http://schemas.microsoft.com/office/powerpoint/2010/main" val="156533202"/>
+      </p:ext>
+    </p:extLst>
+  </p:cSld>
+  <p:clrMapOvr>
+    <a:masterClrMapping/>
+  </p:clrMapOvr>
+</p:sld>
+</file>
+
+<file path=ppt/slides/slide15.xml><?xml version="1.0" encoding="utf-8"?>
+<p:sld xmlns:a="http://schemas.openxmlformats.org/drawingml/2006/main" xmlns:r="http://schemas.openxmlformats.org/officeDocument/2006/relationships" xmlns:p="http://schemas.openxmlformats.org/presentationml/2006/main">
+  <p:cSld>
+    <p:spTree>
+      <p:nvGrpSpPr>
+        <p:cNvPr id="1" name=""/>
+        <p:cNvGrpSpPr/>
+        <p:nvPr/>
+      </p:nvGrpSpPr>
+      <p:grpSpPr>
+        <a:xfrm>
+          <a:off x="0" y="0"/>
+          <a:ext cx="0" cy="0"/>
+          <a:chOff x="0" y="0"/>
+          <a:chExt cx="0" cy="0"/>
+        </a:xfrm>
+      </p:grpSpPr>
+      <p:sp>
+        <p:nvSpPr>
+          <p:cNvPr id="2" name="Title 1"/>
+          <p:cNvSpPr>
+            <a:spLocks noGrp="1"/>
+          </p:cNvSpPr>
+          <p:nvPr>
+            <p:ph type="title"/>
+          </p:nvPr>
+        </p:nvSpPr>
+        <p:spPr/>
+        <p:txBody>
+          <a:bodyPr/>
+          <a:lstStyle/>
+          <a:p>
+            <a:r>
+              <a:rPr lang="en-US" dirty="0" smtClean="0"/>
+              <a:t>Testing the APIs</a:t>
+            </a:r>
+            <a:endParaRPr lang="en-US" dirty="0"/>
+          </a:p>
+        </p:txBody>
+      </p:sp>
+      <p:sp>
+        <p:nvSpPr>
+          <p:cNvPr id="3" name="Content Placeholder 2"/>
+          <p:cNvSpPr>
+            <a:spLocks noGrp="1"/>
+          </p:cNvSpPr>
+          <p:nvPr>
+            <p:ph sz="quarter" idx="10"/>
+          </p:nvPr>
+        </p:nvSpPr>
+        <p:spPr/>
+        <p:txBody>
+          <a:bodyPr/>
+          <a:lstStyle/>
+          <a:p>
+            <a:r>
+              <a:rPr lang="en-US" dirty="0" smtClean="0"/>
+              <a:t>Advanced Rest Client for Chrome</a:t>
+            </a:r>
+          </a:p>
+          <a:p>
+            <a:endParaRPr lang="en-US" dirty="0"/>
+          </a:p>
+          <a:p>
+            <a:endParaRPr lang="en-US" dirty="0" smtClean="0"/>
+          </a:p>
+          <a:p>
+            <a:endParaRPr lang="en-US" dirty="0"/>
+          </a:p>
+          <a:p>
+            <a:endParaRPr lang="en-US" dirty="0" smtClean="0"/>
+          </a:p>
+          <a:p>
+            <a:endParaRPr lang="en-US" dirty="0" smtClean="0"/>
+          </a:p>
+          <a:p>
+            <a:r>
+              <a:rPr lang="en-US" dirty="0" smtClean="0"/>
+              <a:t>Postman Client for Chrome</a:t>
+            </a:r>
+            <a:endParaRPr lang="en-US" dirty="0"/>
+          </a:p>
+        </p:txBody>
+      </p:sp>
+    </p:spTree>
+    <p:extLst>
+      <p:ext uri="{BB962C8B-B14F-4D97-AF65-F5344CB8AC3E}">
+        <p14:creationId xmlns:p14="http://schemas.microsoft.com/office/powerpoint/2010/main" val="1600612461"/>
+      </p:ext>
+    </p:extLst>
+  </p:cSld>
+  <p:clrMapOvr>
+    <a:masterClrMapping/>
+  </p:clrMapOvr>
+</p:sld>
+</file>
+
+<file path=ppt/slides/slide16.xml><?xml version="1.0" encoding="utf-8"?>
+<p:sld xmlns:a="http://schemas.openxmlformats.org/drawingml/2006/main" xmlns:r="http://schemas.openxmlformats.org/officeDocument/2006/relationships" xmlns:p="http://schemas.openxmlformats.org/presentationml/2006/main">
+  <p:cSld>
+    <p:spTree>
+      <p:nvGrpSpPr>
+        <p:cNvPr id="1" name=""/>
+        <p:cNvGrpSpPr/>
+        <p:nvPr/>
+      </p:nvGrpSpPr>
+      <p:grpSpPr>
+        <a:xfrm>
+          <a:off x="0" y="0"/>
+          <a:ext cx="0" cy="0"/>
+          <a:chOff x="0" y="0"/>
+          <a:chExt cx="0" cy="0"/>
+        </a:xfrm>
+      </p:grpSpPr>
+      <p:sp>
+        <p:nvSpPr>
+          <p:cNvPr id="2" name="Title 1"/>
+          <p:cNvSpPr>
+            <a:spLocks noGrp="1"/>
+          </p:cNvSpPr>
+          <p:nvPr>
+            <p:ph type="title"/>
+          </p:nvPr>
+        </p:nvSpPr>
+        <p:spPr/>
+        <p:txBody>
+          <a:bodyPr/>
+          <a:lstStyle/>
+          <a:p>
+            <a:r>
+              <a:rPr lang="en-US" dirty="0" smtClean="0"/>
+              <a:t>Express Routing Features</a:t>
+            </a:r>
+            <a:endParaRPr lang="en-US" dirty="0"/>
+          </a:p>
+        </p:txBody>
+      </p:sp>
+      <p:sp>
+        <p:nvSpPr>
+          <p:cNvPr id="3" name="Content Placeholder 2"/>
+          <p:cNvSpPr>
+            <a:spLocks noGrp="1"/>
+          </p:cNvSpPr>
+          <p:nvPr>
+            <p:ph sz="quarter" idx="10"/>
+          </p:nvPr>
+        </p:nvSpPr>
+        <p:spPr/>
+        <p:txBody>
+          <a:bodyPr/>
+          <a:lstStyle/>
+          <a:p>
+            <a:r>
+              <a:rPr lang="en-US" dirty="0" smtClean="0"/>
+              <a:t>Create ‘</a:t>
+            </a:r>
+            <a:r>
+              <a:rPr lang="en-US" dirty="0" smtClean="0"/>
+              <a:t>mini’ routers for each major section in your </a:t>
+            </a:r>
+            <a:r>
+              <a:rPr lang="en-US" dirty="0" err="1" smtClean="0"/>
+              <a:t>api</a:t>
+            </a:r>
+            <a:r>
+              <a:rPr lang="en-US" dirty="0" smtClean="0"/>
+              <a:t>, linking the URL request with the code to handle it</a:t>
+            </a:r>
+            <a:endParaRPr lang="en-US" dirty="0"/>
+          </a:p>
+          <a:p>
+            <a:pPr marL="0" indent="0">
+              <a:buNone/>
+            </a:pPr>
+            <a:endParaRPr lang="en-US" dirty="0"/>
+          </a:p>
+          <a:p>
+            <a:r>
+              <a:rPr lang="en-US" dirty="0" smtClean="0"/>
+              <a:t>Easily implement </a:t>
+            </a:r>
+            <a:r>
+              <a:rPr lang="en-US" dirty="0" err="1" smtClean="0"/>
+              <a:t>RESTful</a:t>
+            </a:r>
+            <a:r>
+              <a:rPr lang="en-US" dirty="0" smtClean="0"/>
+              <a:t> conventions using ‘:’ notation to specify models/objects base on URL</a:t>
+            </a:r>
+          </a:p>
+          <a:p>
+            <a:endParaRPr lang="en-US" dirty="0"/>
+          </a:p>
+          <a:p>
+            <a:endParaRPr lang="en-US" dirty="0"/>
+          </a:p>
+          <a:p>
+            <a:r>
+              <a:rPr lang="en-US" dirty="0" smtClean="0"/>
+              <a:t>Easily respond with all types of data such as JSON, xml etc.</a:t>
+            </a:r>
+            <a:endParaRPr lang="en-US" dirty="0"/>
+          </a:p>
+        </p:txBody>
+      </p:sp>
+    </p:spTree>
+    <p:extLst>
+      <p:ext uri="{BB962C8B-B14F-4D97-AF65-F5344CB8AC3E}">
+        <p14:creationId xmlns:p14="http://schemas.microsoft.com/office/powerpoint/2010/main" val="1028878007"/>
+      </p:ext>
+    </p:extLst>
+  </p:cSld>
+  <p:clrMapOvr>
+    <a:masterClrMapping/>
+  </p:clrMapOvr>
+</p:sld>
+</file>
+
+<file path=ppt/slides/slide17.xml><?xml version="1.0" encoding="utf-8"?>
+<p:sld xmlns:a="http://schemas.openxmlformats.org/drawingml/2006/main" xmlns:r="http://schemas.openxmlformats.org/officeDocument/2006/relationships" xmlns:p="http://schemas.openxmlformats.org/presentationml/2006/main">
+  <p:cSld>
+    <p:spTree>
+      <p:nvGrpSpPr>
+        <p:cNvPr id="1" name=""/>
+        <p:cNvGrpSpPr/>
+        <p:nvPr/>
+      </p:nvGrpSpPr>
+      <p:grpSpPr>
+        <a:xfrm>
+          <a:off x="0" y="0"/>
+          <a:ext cx="0" cy="0"/>
+          <a:chOff x="0" y="0"/>
+          <a:chExt cx="0" cy="0"/>
+        </a:xfrm>
+      </p:grpSpPr>
+      <p:sp>
+        <p:nvSpPr>
+          <p:cNvPr id="2" name="Title 1"/>
+          <p:cNvSpPr>
+            <a:spLocks noGrp="1"/>
+          </p:cNvSpPr>
+          <p:nvPr>
+            <p:ph type="title"/>
+          </p:nvPr>
+        </p:nvSpPr>
+        <p:spPr/>
+        <p:txBody>
+          <a:bodyPr/>
+          <a:lstStyle/>
+          <a:p>
+            <a:r>
+              <a:rPr lang="en-US" dirty="0" smtClean="0"/>
               <a:t>Middleware</a:t>
             </a:r>
             <a:endParaRPr lang="en-US" dirty="0"/>
@@ -4056,7 +4479,104 @@
 </p:sld>
 </file>
 
-<file path=ppt/slides/slide14.xml><?xml version="1.0" encoding="utf-8"?>
+<file path=ppt/slides/slide18.xml><?xml version="1.0" encoding="utf-8"?>
+<p:sld xmlns:a="http://schemas.openxmlformats.org/drawingml/2006/main" xmlns:r="http://schemas.openxmlformats.org/officeDocument/2006/relationships" xmlns:p="http://schemas.openxmlformats.org/presentationml/2006/main">
+  <p:cSld>
+    <p:spTree>
+      <p:nvGrpSpPr>
+        <p:cNvPr id="1" name=""/>
+        <p:cNvGrpSpPr/>
+        <p:nvPr/>
+      </p:nvGrpSpPr>
+      <p:grpSpPr>
+        <a:xfrm>
+          <a:off x="0" y="0"/>
+          <a:ext cx="0" cy="0"/>
+          <a:chOff x="0" y="0"/>
+          <a:chExt cx="0" cy="0"/>
+        </a:xfrm>
+      </p:grpSpPr>
+      <p:sp>
+        <p:nvSpPr>
+          <p:cNvPr id="2" name="Title 1"/>
+          <p:cNvSpPr>
+            <a:spLocks noGrp="1"/>
+          </p:cNvSpPr>
+          <p:nvPr>
+            <p:ph type="title"/>
+          </p:nvPr>
+        </p:nvSpPr>
+        <p:spPr/>
+        <p:txBody>
+          <a:bodyPr/>
+          <a:lstStyle/>
+          <a:p>
+            <a:r>
+              <a:rPr lang="en-US" dirty="0" smtClean="0"/>
+              <a:t>Testing the APIs</a:t>
+            </a:r>
+            <a:endParaRPr lang="en-US" dirty="0"/>
+          </a:p>
+        </p:txBody>
+      </p:sp>
+      <p:sp>
+        <p:nvSpPr>
+          <p:cNvPr id="3" name="Content Placeholder 2"/>
+          <p:cNvSpPr>
+            <a:spLocks noGrp="1"/>
+          </p:cNvSpPr>
+          <p:nvPr>
+            <p:ph sz="quarter" idx="10"/>
+          </p:nvPr>
+        </p:nvSpPr>
+        <p:spPr/>
+        <p:txBody>
+          <a:bodyPr/>
+          <a:lstStyle/>
+          <a:p>
+            <a:r>
+              <a:rPr lang="en-US" dirty="0" smtClean="0"/>
+              <a:t>Advanced Rest Client for Chrome</a:t>
+            </a:r>
+          </a:p>
+          <a:p>
+            <a:endParaRPr lang="en-US" dirty="0"/>
+          </a:p>
+          <a:p>
+            <a:endParaRPr lang="en-US" dirty="0" smtClean="0"/>
+          </a:p>
+          <a:p>
+            <a:endParaRPr lang="en-US" dirty="0"/>
+          </a:p>
+          <a:p>
+            <a:endParaRPr lang="en-US" dirty="0" smtClean="0"/>
+          </a:p>
+          <a:p>
+            <a:endParaRPr lang="en-US" dirty="0" smtClean="0"/>
+          </a:p>
+          <a:p>
+            <a:r>
+              <a:rPr lang="en-US" dirty="0" smtClean="0"/>
+              <a:t>Postman Client for Chrome</a:t>
+            </a:r>
+            <a:endParaRPr lang="en-US" dirty="0"/>
+          </a:p>
+        </p:txBody>
+      </p:sp>
+    </p:spTree>
+    <p:extLst>
+      <p:ext uri="{BB962C8B-B14F-4D97-AF65-F5344CB8AC3E}">
+        <p14:creationId xmlns:p14="http://schemas.microsoft.com/office/powerpoint/2010/main" val="1600612461"/>
+      </p:ext>
+    </p:extLst>
+  </p:cSld>
+  <p:clrMapOvr>
+    <a:masterClrMapping/>
+  </p:clrMapOvr>
+</p:sld>
+</file>
+
+<file path=ppt/slides/slide19.xml><?xml version="1.0" encoding="utf-8"?>
 <p:sld xmlns:a="http://schemas.openxmlformats.org/drawingml/2006/main" xmlns:r="http://schemas.openxmlformats.org/officeDocument/2006/relationships" xmlns:p="http://schemas.openxmlformats.org/presentationml/2006/main">
   <p:cSld>
     <p:spTree>
@@ -4653,7 +5173,7 @@
           <a:p>
             <a:r>
               <a:rPr lang="en-US" dirty="0" smtClean="0"/>
-              <a:t>NPM</a:t>
+              <a:t>Express</a:t>
             </a:r>
             <a:endParaRPr lang="en-US" dirty="0"/>
           </a:p>
@@ -4681,7 +5201,7 @@
     </p:spTree>
     <p:extLst>
       <p:ext uri="{BB962C8B-B14F-4D97-AF65-F5344CB8AC3E}">
-        <p14:creationId xmlns:p14="http://schemas.microsoft.com/office/powerpoint/2010/main" val="3414015979"/>
+        <p14:creationId xmlns:p14="http://schemas.microsoft.com/office/powerpoint/2010/main" val="677801718"/>
       </p:ext>
     </p:extLst>
   </p:cSld>
@@ -4725,7 +5245,7 @@
           <a:p>
             <a:r>
               <a:rPr lang="en-US" dirty="0" smtClean="0"/>
-              <a:t>Node Package Manager</a:t>
+              <a:t>Understanding Express</a:t>
             </a:r>
             <a:endParaRPr lang="en-US" dirty="0"/>
           </a:p>
@@ -4748,42 +5268,41 @@
           <a:p>
             <a:r>
               <a:rPr lang="en-US" dirty="0" smtClean="0"/>
-              <a:t>Command-line package manager for useful libraries</a:t>
-            </a:r>
+              <a:t>Provides higher-level ‘Routing’ functionality over the raw http server</a:t>
+            </a:r>
+          </a:p>
+          <a:p>
+            <a:endParaRPr lang="en-US" dirty="0"/>
+          </a:p>
+          <a:p>
+            <a:r>
+              <a:rPr lang="en-US" dirty="0" smtClean="0"/>
+              <a:t>Interact with HTTP requests and responses more easily with higher-level </a:t>
+            </a:r>
+            <a:r>
+              <a:rPr lang="en-US" dirty="0" err="1" smtClean="0"/>
+              <a:t>apis</a:t>
+            </a:r>
+            <a:r>
+              <a:rPr lang="en-US" dirty="0" smtClean="0"/>
+              <a:t> for headers and response bodies</a:t>
+            </a:r>
+          </a:p>
+          <a:p>
+            <a:endParaRPr lang="en-US" dirty="0"/>
           </a:p>
           <a:p>
             <a:endParaRPr lang="en-US" dirty="0" smtClean="0"/>
           </a:p>
           <a:p>
-            <a:endParaRPr lang="en-US" dirty="0"/>
-          </a:p>
-          <a:p>
-            <a:r>
-              <a:rPr lang="en-US" dirty="0" smtClean="0"/>
-              <a:t>Akin to pip for python or gem for Ruby</a:t>
-            </a:r>
-          </a:p>
-          <a:p>
-            <a:endParaRPr lang="en-US" dirty="0"/>
-          </a:p>
-          <a:p>
-            <a:endParaRPr lang="en-US" dirty="0" smtClean="0"/>
-          </a:p>
-          <a:p>
-            <a:r>
-              <a:rPr lang="en-US" dirty="0" smtClean="0"/>
-              <a:t>Comes bundled with </a:t>
+            <a:r>
+              <a:rPr lang="en-US" dirty="0" smtClean="0"/>
+              <a:t>Minimalistic, fast and </a:t>
             </a:r>
             <a:r>
               <a:rPr lang="en-US" dirty="0" err="1" smtClean="0"/>
-              <a:t>node.js</a:t>
-            </a:r>
-            <a:r>
-              <a:rPr lang="en-US" dirty="0" smtClean="0"/>
-              <a:t> installation</a:t>
-            </a:r>
-          </a:p>
-          <a:p>
+              <a:t>unopinionated</a:t>
+            </a:r>
             <a:endParaRPr lang="en-US" dirty="0"/>
           </a:p>
         </p:txBody>
@@ -4791,7 +5310,7 @@
     </p:spTree>
     <p:extLst>
       <p:ext uri="{BB962C8B-B14F-4D97-AF65-F5344CB8AC3E}">
-        <p14:creationId xmlns:p14="http://schemas.microsoft.com/office/powerpoint/2010/main" val="1993550738"/>
+        <p14:creationId xmlns:p14="http://schemas.microsoft.com/office/powerpoint/2010/main" val="410549132"/>
       </p:ext>
     </p:extLst>
   </p:cSld>
@@ -4820,12 +5339,12 @@
       </p:grpSpPr>
       <p:sp>
         <p:nvSpPr>
-          <p:cNvPr id="5" name="Text Placeholder 4"/>
+          <p:cNvPr id="2" name="Title 1"/>
           <p:cNvSpPr>
             <a:spLocks noGrp="1"/>
           </p:cNvSpPr>
           <p:nvPr>
-            <p:ph type="body" sz="quarter" idx="10"/>
+            <p:ph type="title"/>
           </p:nvPr>
         </p:nvSpPr>
         <p:spPr/>
@@ -4835,35 +5354,105 @@
           <a:p>
             <a:r>
               <a:rPr lang="en-US" dirty="0" smtClean="0"/>
-              <a:t>Express</a:t>
-            </a:r>
-            <a:endParaRPr lang="en-US" dirty="0"/>
-          </a:p>
-        </p:txBody>
-      </p:sp>
-      <p:sp>
-        <p:nvSpPr>
-          <p:cNvPr id="4" name="Subtitle 3"/>
+              <a:t>Generating an Express App</a:t>
+            </a:r>
+            <a:endParaRPr lang="en-US" dirty="0"/>
+          </a:p>
+        </p:txBody>
+      </p:sp>
+      <p:sp>
+        <p:nvSpPr>
+          <p:cNvPr id="3" name="Content Placeholder 2"/>
           <p:cNvSpPr>
             <a:spLocks noGrp="1"/>
           </p:cNvSpPr>
           <p:nvPr>
-            <p:ph type="subTitle" idx="1"/>
-          </p:nvPr>
-        </p:nvSpPr>
-        <p:spPr/>
+            <p:ph sz="quarter" idx="10"/>
+          </p:nvPr>
+        </p:nvSpPr>
+        <p:spPr>
+          <a:xfrm>
+            <a:off x="352985" y="1238814"/>
+            <a:ext cx="11525250" cy="2406833"/>
+          </a:xfrm>
+        </p:spPr>
         <p:txBody>
           <a:bodyPr/>
           <a:lstStyle/>
           <a:p>
-            <a:endParaRPr lang="en-US" dirty="0"/>
+            <a:endParaRPr lang="en-US" dirty="0" smtClean="0"/>
+          </a:p>
+          <a:p>
+            <a:pPr marL="0" indent="0">
+              <a:buNone/>
+            </a:pPr>
+            <a:endParaRPr lang="en-US" dirty="0" smtClean="0"/>
+          </a:p>
+          <a:p>
+            <a:pPr marL="0" indent="0" algn="ctr">
+              <a:buNone/>
+            </a:pPr>
+            <a:r>
+              <a:rPr lang="en-US" dirty="0" smtClean="0"/>
+              <a:t>Create a new template app:</a:t>
+            </a:r>
+            <a:endParaRPr lang="en-US" dirty="0"/>
+          </a:p>
+        </p:txBody>
+      </p:sp>
+      <p:sp>
+        <p:nvSpPr>
+          <p:cNvPr id="5" name="Rectangle 4"/>
+          <p:cNvSpPr/>
+          <p:nvPr/>
+        </p:nvSpPr>
+        <p:spPr>
+          <a:xfrm>
+            <a:off x="2312953" y="3677627"/>
+            <a:ext cx="8070614" cy="646331"/>
+          </a:xfrm>
+          <a:prstGeom prst="rect">
+            <a:avLst/>
+          </a:prstGeom>
+        </p:spPr>
+        <p:txBody>
+          <a:bodyPr wrap="none">
+            <a:spAutoFit/>
+          </a:bodyPr>
+          <a:lstStyle/>
+          <a:p>
+            <a:r>
+              <a:rPr lang="en-US" sz="3600" dirty="0" smtClean="0"/>
+              <a:t>express --</a:t>
+            </a:r>
+            <a:r>
+              <a:rPr lang="en-US" sz="3600" dirty="0" err="1" smtClean="0"/>
+              <a:t>css</a:t>
+            </a:r>
+            <a:r>
+              <a:rPr lang="en-US" sz="3600" dirty="0" smtClean="0"/>
+              <a:t> stylus --</a:t>
+            </a:r>
+            <a:r>
+              <a:rPr lang="en-US" sz="3600" dirty="0" err="1" smtClean="0"/>
+              <a:t>ejs</a:t>
+            </a:r>
+            <a:r>
+              <a:rPr lang="en-US" sz="3600" dirty="0"/>
+              <a:t> </a:t>
+            </a:r>
+            <a:r>
+              <a:rPr lang="en-US" sz="3600" dirty="0" smtClean="0"/>
+              <a:t>&lt;directory name&gt;</a:t>
+            </a:r>
+            <a:endParaRPr lang="en-US" sz="3600" dirty="0"/>
           </a:p>
         </p:txBody>
       </p:sp>
     </p:spTree>
     <p:extLst>
       <p:ext uri="{BB962C8B-B14F-4D97-AF65-F5344CB8AC3E}">
-        <p14:creationId xmlns:p14="http://schemas.microsoft.com/office/powerpoint/2010/main" val="677801718"/>
+        <p14:creationId xmlns:p14="http://schemas.microsoft.com/office/powerpoint/2010/main" val="467365140"/>
       </p:ext>
     </p:extLst>
   </p:cSld>
@@ -4892,12 +5481,12 @@
       </p:grpSpPr>
       <p:sp>
         <p:nvSpPr>
-          <p:cNvPr id="2" name="Title 1"/>
+          <p:cNvPr id="5" name="Text Placeholder 4"/>
           <p:cNvSpPr>
             <a:spLocks noGrp="1"/>
           </p:cNvSpPr>
           <p:nvPr>
-            <p:ph type="title"/>
+            <p:ph type="body" sz="quarter" idx="10"/>
           </p:nvPr>
         </p:nvSpPr>
         <p:spPr/>
@@ -4907,20 +5496,20 @@
           <a:p>
             <a:r>
               <a:rPr lang="en-US" dirty="0" smtClean="0"/>
-              <a:t>Understanding Express</a:t>
-            </a:r>
-            <a:endParaRPr lang="en-US" dirty="0"/>
-          </a:p>
-        </p:txBody>
-      </p:sp>
-      <p:sp>
-        <p:nvSpPr>
-          <p:cNvPr id="3" name="Content Placeholder 2"/>
+              <a:t>NPM</a:t>
+            </a:r>
+            <a:endParaRPr lang="en-US" dirty="0"/>
+          </a:p>
+        </p:txBody>
+      </p:sp>
+      <p:sp>
+        <p:nvSpPr>
+          <p:cNvPr id="4" name="Subtitle 3"/>
           <p:cNvSpPr>
             <a:spLocks noGrp="1"/>
           </p:cNvSpPr>
           <p:nvPr>
-            <p:ph sz="quarter" idx="10"/>
+            <p:ph type="subTitle" idx="1"/>
           </p:nvPr>
         </p:nvSpPr>
         <p:spPr/>
@@ -4928,43 +5517,6 @@
           <a:bodyPr/>
           <a:lstStyle/>
           <a:p>
-            <a:r>
-              <a:rPr lang="en-US" dirty="0" smtClean="0"/>
-              <a:t>Provides higher-level ‘Routing’ functionality over the raw http server</a:t>
-            </a:r>
-          </a:p>
-          <a:p>
-            <a:endParaRPr lang="en-US" dirty="0"/>
-          </a:p>
-          <a:p>
-            <a:r>
-              <a:rPr lang="en-US" dirty="0" smtClean="0"/>
-              <a:t>Interact with HTTP requests and responses more easily with higher-level </a:t>
-            </a:r>
-            <a:r>
-              <a:rPr lang="en-US" dirty="0" err="1" smtClean="0"/>
-              <a:t>apis</a:t>
-            </a:r>
-            <a:r>
-              <a:rPr lang="en-US" dirty="0" smtClean="0"/>
-              <a:t> for headers and response bodies</a:t>
-            </a:r>
-          </a:p>
-          <a:p>
-            <a:endParaRPr lang="en-US" dirty="0"/>
-          </a:p>
-          <a:p>
-            <a:endParaRPr lang="en-US" dirty="0" smtClean="0"/>
-          </a:p>
-          <a:p>
-            <a:r>
-              <a:rPr lang="en-US" dirty="0" smtClean="0"/>
-              <a:t>Minimalistic, fast and </a:t>
-            </a:r>
-            <a:r>
-              <a:rPr lang="en-US" smtClean="0"/>
-              <a:t>unopinionated</a:t>
-            </a:r>
             <a:endParaRPr lang="en-US" dirty="0"/>
           </a:p>
         </p:txBody>
@@ -4972,7 +5524,7 @@
     </p:spTree>
     <p:extLst>
       <p:ext uri="{BB962C8B-B14F-4D97-AF65-F5344CB8AC3E}">
-        <p14:creationId xmlns:p14="http://schemas.microsoft.com/office/powerpoint/2010/main" val="410549132"/>
+        <p14:creationId xmlns:p14="http://schemas.microsoft.com/office/powerpoint/2010/main" val="544262303"/>
       </p:ext>
     </p:extLst>
   </p:cSld>

--- a/slides/module3.pptx
+++ b/slides/module3.pptx
@@ -4447,8 +4447,12 @@
           <a:lstStyle/>
           <a:p>
             <a:r>
-              <a:rPr lang="en-US" dirty="0" smtClean="0"/>
-              <a:t>Libraries that can be put in the ‘middle’ of your client making a request and the route-specific code the handles the response</a:t>
+              <a:rPr lang="en-US" smtClean="0"/>
+              <a:t>Code that </a:t>
+            </a:r>
+            <a:r>
+              <a:rPr lang="en-US" dirty="0" smtClean="0"/>
+              <a:t>can be put in the ‘middle’ of your client making a request and the route-specific code the handles the response</a:t>
             </a:r>
           </a:p>
           <a:p>
